--- a/Documentation/Presentation/Husky.pptx
+++ b/Documentation/Presentation/Husky.pptx
@@ -5,7 +5,7 @@
     <p:sldMasterId id="2147483672" r:id="rId1"/>
   </p:sldMasterIdLst>
   <p:notesMasterIdLst>
-    <p:notesMasterId r:id="rId25"/>
+    <p:notesMasterId r:id="rId27"/>
   </p:notesMasterIdLst>
   <p:sldIdLst>
     <p:sldId id="256" r:id="rId2"/>
@@ -26,11 +26,13 @@
     <p:sldId id="281" r:id="rId17"/>
     <p:sldId id="277" r:id="rId18"/>
     <p:sldId id="279" r:id="rId19"/>
-    <p:sldId id="274" r:id="rId20"/>
-    <p:sldId id="271" r:id="rId21"/>
-    <p:sldId id="273" r:id="rId22"/>
-    <p:sldId id="272" r:id="rId23"/>
-    <p:sldId id="276" r:id="rId24"/>
+    <p:sldId id="282" r:id="rId20"/>
+    <p:sldId id="283" r:id="rId21"/>
+    <p:sldId id="274" r:id="rId22"/>
+    <p:sldId id="271" r:id="rId23"/>
+    <p:sldId id="273" r:id="rId24"/>
+    <p:sldId id="272" r:id="rId25"/>
+    <p:sldId id="276" r:id="rId26"/>
   </p:sldIdLst>
   <p:sldSz cx="12192000" cy="6858000"/>
   <p:notesSz cx="6858000" cy="9144000"/>
@@ -131,7 +133,7 @@
   </p:defaultTextStyle>
   <p:extLst>
     <p:ext uri="{EFAFB233-063F-42B5-8137-9DF3F51BA10A}">
-      <p15:sldGuideLst xmlns:p15="http://schemas.microsoft.com/office/powerpoint/2012/main"/>
+      <p15:sldGuideLst xmlns:p15="http://schemas.microsoft.com/office/powerpoint/2012/main" xmlns=""/>
     </p:ext>
   </p:extLst>
 </p:presentation>
@@ -140,3419 +142,9 @@
 <file path=ppt/commentAuthors.xml><?xml version="1.0" encoding="utf-8"?>
 <p:cmAuthorLst xmlns:a="http://schemas.openxmlformats.org/drawingml/2006/main" xmlns:r="http://schemas.openxmlformats.org/officeDocument/2006/relationships" xmlns:p="http://schemas.openxmlformats.org/presentationml/2006/main">
   <p:cmAuthor id="1" name="Vinicius Cousseau" initials="VC" lastIdx="18" clrIdx="0">
-    <p:extLst>
-      <p:ext uri="{19B8F6BF-5375-455C-9EA6-DF929625EA0E}">
-        <p15:presenceInfo xmlns:p15="http://schemas.microsoft.com/office/powerpoint/2012/main" userId="Vinicius Cousseau" providerId="None"/>
-      </p:ext>
-    </p:extLst>
+    <p:extLst/>
   </p:cmAuthor>
 </p:cmAuthorLst>
-</file>
-
-<file path=ppt/charts/chart1.xml><?xml version="1.0" encoding="utf-8"?>
-<c:chartSpace xmlns:c="http://schemas.openxmlformats.org/drawingml/2006/chart" xmlns:a="http://schemas.openxmlformats.org/drawingml/2006/main" xmlns:r="http://schemas.openxmlformats.org/officeDocument/2006/relationships">
-  <c:date1904 val="0"/>
-  <c:lang val="en-US"/>
-  <c:roundedCorners val="0"/>
-  <mc:AlternateContent xmlns:mc="http://schemas.openxmlformats.org/markup-compatibility/2006">
-    <mc:Choice xmlns:c14="http://schemas.microsoft.com/office/drawing/2007/8/2/chart" Requires="c14">
-      <c14:style val="118"/>
-    </mc:Choice>
-    <mc:Fallback>
-      <c:style val="18"/>
-    </mc:Fallback>
-  </mc:AlternateContent>
-  <c:chart>
-    <c:title>
-      <c:tx>
-        <c:rich>
-          <a:bodyPr/>
-          <a:lstStyle/>
-          <a:p>
-            <a:pPr>
-              <a:defRPr/>
-            </a:pPr>
-            <a:r>
-              <a:rPr lang="en-US"/>
-              <a:t>Integers</a:t>
-            </a:r>
-            <a:r>
-              <a:rPr lang="en-US" baseline="0"/>
-              <a:t> 500,000 units</a:t>
-            </a:r>
-            <a:endParaRPr lang="en-US"/>
-          </a:p>
-        </c:rich>
-      </c:tx>
-      <c:layout/>
-      <c:overlay val="0"/>
-    </c:title>
-    <c:autoTitleDeleted val="0"/>
-    <c:plotArea>
-      <c:layout/>
-      <c:barChart>
-        <c:barDir val="col"/>
-        <c:grouping val="clustered"/>
-        <c:varyColors val="0"/>
-        <c:ser>
-          <c:idx val="0"/>
-          <c:order val="0"/>
-          <c:tx>
-            <c:strRef>
-              <c:f>'N=500000'!$B$3</c:f>
-              <c:strCache>
-                <c:ptCount val="1"/>
-                <c:pt idx="0">
-                  <c:v>HUSKY</c:v>
-                </c:pt>
-              </c:strCache>
-            </c:strRef>
-          </c:tx>
-          <c:invertIfNegative val="0"/>
-          <c:cat>
-            <c:strRef>
-              <c:f>'N=500000'!$A$4:$A$30</c:f>
-              <c:strCache>
-                <c:ptCount val="27"/>
-                <c:pt idx="0">
-                  <c:v>cons:</c:v>
-                </c:pt>
-                <c:pt idx="1">
-                  <c:v>concat2:</c:v>
-                </c:pt>
-                <c:pt idx="2">
-                  <c:v>concat1:</c:v>
-                </c:pt>
-                <c:pt idx="3">
-                  <c:v>tail:</c:v>
-                </c:pt>
-                <c:pt idx="4">
-                  <c:v>init:</c:v>
-                </c:pt>
-                <c:pt idx="5">
-                  <c:v>at:</c:v>
-                </c:pt>
-                <c:pt idx="6">
-                  <c:v>reverse:</c:v>
-                </c:pt>
-                <c:pt idx="7">
-                  <c:v>foldl:</c:v>
-                </c:pt>
-                <c:pt idx="8">
-                  <c:v>foldr:</c:v>
-                </c:pt>
-                <c:pt idx="9">
-                  <c:v>scanl:</c:v>
-                </c:pt>
-                <c:pt idx="10">
-                  <c:v>scanr:</c:v>
-                </c:pt>
-                <c:pt idx="11">
-                  <c:v>map:</c:v>
-                </c:pt>
-                <c:pt idx="12">
-                  <c:v>concatMap:</c:v>
-                </c:pt>
-                <c:pt idx="13">
-                  <c:v>zip:</c:v>
-                </c:pt>
-                <c:pt idx="14">
-                  <c:v>zip3:</c:v>
-                </c:pt>
-                <c:pt idx="15">
-                  <c:v>zipWith:</c:v>
-                </c:pt>
-                <c:pt idx="16">
-                  <c:v>zipWith3:</c:v>
-                </c:pt>
-                <c:pt idx="17">
-                  <c:v>unzip:</c:v>
-                </c:pt>
-                <c:pt idx="18">
-                  <c:v>unzip3:</c:v>
-                </c:pt>
-                <c:pt idx="19">
-                  <c:v>filter:</c:v>
-                </c:pt>
-                <c:pt idx="20">
-                  <c:v>take:</c:v>
-                </c:pt>
-                <c:pt idx="21">
-                  <c:v>takeWhile:</c:v>
-                </c:pt>
-                <c:pt idx="22">
-                  <c:v>drop:</c:v>
-                </c:pt>
-                <c:pt idx="23">
-                  <c:v>dropWhile:</c:v>
-                </c:pt>
-                <c:pt idx="24">
-                  <c:v>span_container:</c:v>
-                </c:pt>
-                <c:pt idx="25">
-                  <c:v>break_container:</c:v>
-                </c:pt>
-                <c:pt idx="26">
-                  <c:v>splitAt:</c:v>
-                </c:pt>
-              </c:strCache>
-            </c:strRef>
-          </c:cat>
-          <c:val>
-            <c:numRef>
-              <c:f>'N=500000'!$B$4:$B$30</c:f>
-              <c:numCache>
-                <c:formatCode>0.0</c:formatCode>
-                <c:ptCount val="27"/>
-                <c:pt idx="0">
-                  <c:v>15.666666666666666</c:v>
-                </c:pt>
-                <c:pt idx="1">
-                  <c:v>31.333333333333332</c:v>
-                </c:pt>
-                <c:pt idx="2">
-                  <c:v>66.666666666666671</c:v>
-                </c:pt>
-                <c:pt idx="3">
-                  <c:v>12</c:v>
-                </c:pt>
-                <c:pt idx="4">
-                  <c:v>12</c:v>
-                </c:pt>
-                <c:pt idx="5">
-                  <c:v>2</c:v>
-                </c:pt>
-                <c:pt idx="6">
-                  <c:v>25.333333333333332</c:v>
-                </c:pt>
-                <c:pt idx="7">
-                  <c:v>2.3333333333333335</c:v>
-                </c:pt>
-                <c:pt idx="8">
-                  <c:v>9.6666666666666661</c:v>
-                </c:pt>
-                <c:pt idx="9">
-                  <c:v>18.666666666666668</c:v>
-                </c:pt>
-                <c:pt idx="10">
-                  <c:v>53.333333333333336</c:v>
-                </c:pt>
-                <c:pt idx="11">
-                  <c:v>19.666666666666668</c:v>
-                </c:pt>
-                <c:pt idx="12">
-                  <c:v>326.66666666666669</c:v>
-                </c:pt>
-                <c:pt idx="13">
-                  <c:v>20</c:v>
-                </c:pt>
-                <c:pt idx="14">
-                  <c:v>39.666666666666664</c:v>
-                </c:pt>
-                <c:pt idx="15">
-                  <c:v>18</c:v>
-                </c:pt>
-                <c:pt idx="16">
-                  <c:v>20.666666666666668</c:v>
-                </c:pt>
-                <c:pt idx="17">
-                  <c:v>70.333333333333329</c:v>
-                </c:pt>
-                <c:pt idx="18">
-                  <c:v>104.33333333333333</c:v>
-                </c:pt>
-                <c:pt idx="19">
-                  <c:v>21</c:v>
-                </c:pt>
-                <c:pt idx="20">
-                  <c:v>0</c:v>
-                </c:pt>
-                <c:pt idx="21">
-                  <c:v>23.666666666666668</c:v>
-                </c:pt>
-                <c:pt idx="22">
-                  <c:v>20.333333333333332</c:v>
-                </c:pt>
-                <c:pt idx="23">
-                  <c:v>23.333333333333332</c:v>
-                </c:pt>
-                <c:pt idx="24">
-                  <c:v>25</c:v>
-                </c:pt>
-                <c:pt idx="25">
-                  <c:v>25</c:v>
-                </c:pt>
-                <c:pt idx="26">
-                  <c:v>25</c:v>
-                </c:pt>
-              </c:numCache>
-            </c:numRef>
-          </c:val>
-        </c:ser>
-        <c:ser>
-          <c:idx val="1"/>
-          <c:order val="1"/>
-          <c:tx>
-            <c:strRef>
-              <c:f>'N=500000'!$C$3</c:f>
-              <c:strCache>
-                <c:ptCount val="1"/>
-                <c:pt idx="0">
-                  <c:v>FTL</c:v>
-                </c:pt>
-              </c:strCache>
-            </c:strRef>
-          </c:tx>
-          <c:invertIfNegative val="0"/>
-          <c:cat>
-            <c:strRef>
-              <c:f>'N=500000'!$A$4:$A$30</c:f>
-              <c:strCache>
-                <c:ptCount val="27"/>
-                <c:pt idx="0">
-                  <c:v>cons:</c:v>
-                </c:pt>
-                <c:pt idx="1">
-                  <c:v>concat2:</c:v>
-                </c:pt>
-                <c:pt idx="2">
-                  <c:v>concat1:</c:v>
-                </c:pt>
-                <c:pt idx="3">
-                  <c:v>tail:</c:v>
-                </c:pt>
-                <c:pt idx="4">
-                  <c:v>init:</c:v>
-                </c:pt>
-                <c:pt idx="5">
-                  <c:v>at:</c:v>
-                </c:pt>
-                <c:pt idx="6">
-                  <c:v>reverse:</c:v>
-                </c:pt>
-                <c:pt idx="7">
-                  <c:v>foldl:</c:v>
-                </c:pt>
-                <c:pt idx="8">
-                  <c:v>foldr:</c:v>
-                </c:pt>
-                <c:pt idx="9">
-                  <c:v>scanl:</c:v>
-                </c:pt>
-                <c:pt idx="10">
-                  <c:v>scanr:</c:v>
-                </c:pt>
-                <c:pt idx="11">
-                  <c:v>map:</c:v>
-                </c:pt>
-                <c:pt idx="12">
-                  <c:v>concatMap:</c:v>
-                </c:pt>
-                <c:pt idx="13">
-                  <c:v>zip:</c:v>
-                </c:pt>
-                <c:pt idx="14">
-                  <c:v>zip3:</c:v>
-                </c:pt>
-                <c:pt idx="15">
-                  <c:v>zipWith:</c:v>
-                </c:pt>
-                <c:pt idx="16">
-                  <c:v>zipWith3:</c:v>
-                </c:pt>
-                <c:pt idx="17">
-                  <c:v>unzip:</c:v>
-                </c:pt>
-                <c:pt idx="18">
-                  <c:v>unzip3:</c:v>
-                </c:pt>
-                <c:pt idx="19">
-                  <c:v>filter:</c:v>
-                </c:pt>
-                <c:pt idx="20">
-                  <c:v>take:</c:v>
-                </c:pt>
-                <c:pt idx="21">
-                  <c:v>takeWhile:</c:v>
-                </c:pt>
-                <c:pt idx="22">
-                  <c:v>drop:</c:v>
-                </c:pt>
-                <c:pt idx="23">
-                  <c:v>dropWhile:</c:v>
-                </c:pt>
-                <c:pt idx="24">
-                  <c:v>span_container:</c:v>
-                </c:pt>
-                <c:pt idx="25">
-                  <c:v>break_container:</c:v>
-                </c:pt>
-                <c:pt idx="26">
-                  <c:v>splitAt:</c:v>
-                </c:pt>
-              </c:strCache>
-            </c:strRef>
-          </c:cat>
-          <c:val>
-            <c:numRef>
-              <c:f>'N=500000'!$C$4:$C$30</c:f>
-              <c:numCache>
-                <c:formatCode>General</c:formatCode>
-                <c:ptCount val="27"/>
-                <c:pt idx="7">
-                  <c:v>2.6666666666666665</c:v>
-                </c:pt>
-                <c:pt idx="8">
-                  <c:v>10</c:v>
-                </c:pt>
-                <c:pt idx="11">
-                  <c:v>23.333333333333332</c:v>
-                </c:pt>
-                <c:pt idx="12">
-                  <c:v>225</c:v>
-                </c:pt>
-                <c:pt idx="13">
-                  <c:v>36</c:v>
-                </c:pt>
-                <c:pt idx="15">
-                  <c:v>26</c:v>
-                </c:pt>
-              </c:numCache>
-            </c:numRef>
-          </c:val>
-        </c:ser>
-        <c:ser>
-          <c:idx val="2"/>
-          <c:order val="2"/>
-          <c:tx>
-            <c:strRef>
-              <c:f>'N=500000'!$D$3</c:f>
-              <c:strCache>
-                <c:ptCount val="1"/>
-                <c:pt idx="0">
-                  <c:v>FC++</c:v>
-                </c:pt>
-              </c:strCache>
-            </c:strRef>
-          </c:tx>
-          <c:invertIfNegative val="0"/>
-          <c:cat>
-            <c:strRef>
-              <c:f>'N=500000'!$A$4:$A$30</c:f>
-              <c:strCache>
-                <c:ptCount val="27"/>
-                <c:pt idx="0">
-                  <c:v>cons:</c:v>
-                </c:pt>
-                <c:pt idx="1">
-                  <c:v>concat2:</c:v>
-                </c:pt>
-                <c:pt idx="2">
-                  <c:v>concat1:</c:v>
-                </c:pt>
-                <c:pt idx="3">
-                  <c:v>tail:</c:v>
-                </c:pt>
-                <c:pt idx="4">
-                  <c:v>init:</c:v>
-                </c:pt>
-                <c:pt idx="5">
-                  <c:v>at:</c:v>
-                </c:pt>
-                <c:pt idx="6">
-                  <c:v>reverse:</c:v>
-                </c:pt>
-                <c:pt idx="7">
-                  <c:v>foldl:</c:v>
-                </c:pt>
-                <c:pt idx="8">
-                  <c:v>foldr:</c:v>
-                </c:pt>
-                <c:pt idx="9">
-                  <c:v>scanl:</c:v>
-                </c:pt>
-                <c:pt idx="10">
-                  <c:v>scanr:</c:v>
-                </c:pt>
-                <c:pt idx="11">
-                  <c:v>map:</c:v>
-                </c:pt>
-                <c:pt idx="12">
-                  <c:v>concatMap:</c:v>
-                </c:pt>
-                <c:pt idx="13">
-                  <c:v>zip:</c:v>
-                </c:pt>
-                <c:pt idx="14">
-                  <c:v>zip3:</c:v>
-                </c:pt>
-                <c:pt idx="15">
-                  <c:v>zipWith:</c:v>
-                </c:pt>
-                <c:pt idx="16">
-                  <c:v>zipWith3:</c:v>
-                </c:pt>
-                <c:pt idx="17">
-                  <c:v>unzip:</c:v>
-                </c:pt>
-                <c:pt idx="18">
-                  <c:v>unzip3:</c:v>
-                </c:pt>
-                <c:pt idx="19">
-                  <c:v>filter:</c:v>
-                </c:pt>
-                <c:pt idx="20">
-                  <c:v>take:</c:v>
-                </c:pt>
-                <c:pt idx="21">
-                  <c:v>takeWhile:</c:v>
-                </c:pt>
-                <c:pt idx="22">
-                  <c:v>drop:</c:v>
-                </c:pt>
-                <c:pt idx="23">
-                  <c:v>dropWhile:</c:v>
-                </c:pt>
-                <c:pt idx="24">
-                  <c:v>span_container:</c:v>
-                </c:pt>
-                <c:pt idx="25">
-                  <c:v>break_container:</c:v>
-                </c:pt>
-                <c:pt idx="26">
-                  <c:v>splitAt:</c:v>
-                </c:pt>
-              </c:strCache>
-            </c:strRef>
-          </c:cat>
-          <c:val>
-            <c:numRef>
-              <c:f>'N=500000'!$D$4:$D$30</c:f>
-              <c:numCache>
-                <c:formatCode>General</c:formatCode>
-                <c:ptCount val="27"/>
-              </c:numCache>
-            </c:numRef>
-          </c:val>
-        </c:ser>
-        <c:ser>
-          <c:idx val="3"/>
-          <c:order val="3"/>
-          <c:tx>
-            <c:strRef>
-              <c:f>'N=500000'!$E$3</c:f>
-              <c:strCache>
-                <c:ptCount val="1"/>
-                <c:pt idx="0">
-                  <c:v>HASKEL</c:v>
-                </c:pt>
-              </c:strCache>
-            </c:strRef>
-          </c:tx>
-          <c:invertIfNegative val="0"/>
-          <c:cat>
-            <c:strRef>
-              <c:f>'N=500000'!$A$4:$A$30</c:f>
-              <c:strCache>
-                <c:ptCount val="27"/>
-                <c:pt idx="0">
-                  <c:v>cons:</c:v>
-                </c:pt>
-                <c:pt idx="1">
-                  <c:v>concat2:</c:v>
-                </c:pt>
-                <c:pt idx="2">
-                  <c:v>concat1:</c:v>
-                </c:pt>
-                <c:pt idx="3">
-                  <c:v>tail:</c:v>
-                </c:pt>
-                <c:pt idx="4">
-                  <c:v>init:</c:v>
-                </c:pt>
-                <c:pt idx="5">
-                  <c:v>at:</c:v>
-                </c:pt>
-                <c:pt idx="6">
-                  <c:v>reverse:</c:v>
-                </c:pt>
-                <c:pt idx="7">
-                  <c:v>foldl:</c:v>
-                </c:pt>
-                <c:pt idx="8">
-                  <c:v>foldr:</c:v>
-                </c:pt>
-                <c:pt idx="9">
-                  <c:v>scanl:</c:v>
-                </c:pt>
-                <c:pt idx="10">
-                  <c:v>scanr:</c:v>
-                </c:pt>
-                <c:pt idx="11">
-                  <c:v>map:</c:v>
-                </c:pt>
-                <c:pt idx="12">
-                  <c:v>concatMap:</c:v>
-                </c:pt>
-                <c:pt idx="13">
-                  <c:v>zip:</c:v>
-                </c:pt>
-                <c:pt idx="14">
-                  <c:v>zip3:</c:v>
-                </c:pt>
-                <c:pt idx="15">
-                  <c:v>zipWith:</c:v>
-                </c:pt>
-                <c:pt idx="16">
-                  <c:v>zipWith3:</c:v>
-                </c:pt>
-                <c:pt idx="17">
-                  <c:v>unzip:</c:v>
-                </c:pt>
-                <c:pt idx="18">
-                  <c:v>unzip3:</c:v>
-                </c:pt>
-                <c:pt idx="19">
-                  <c:v>filter:</c:v>
-                </c:pt>
-                <c:pt idx="20">
-                  <c:v>take:</c:v>
-                </c:pt>
-                <c:pt idx="21">
-                  <c:v>takeWhile:</c:v>
-                </c:pt>
-                <c:pt idx="22">
-                  <c:v>drop:</c:v>
-                </c:pt>
-                <c:pt idx="23">
-                  <c:v>dropWhile:</c:v>
-                </c:pt>
-                <c:pt idx="24">
-                  <c:v>span_container:</c:v>
-                </c:pt>
-                <c:pt idx="25">
-                  <c:v>break_container:</c:v>
-                </c:pt>
-                <c:pt idx="26">
-                  <c:v>splitAt:</c:v>
-                </c:pt>
-              </c:strCache>
-            </c:strRef>
-          </c:cat>
-          <c:val>
-            <c:numRef>
-              <c:f>'N=500000'!$E$4:$E$30</c:f>
-              <c:numCache>
-                <c:formatCode>_-* #,##0.000_-;\-* #,##0.000_-;_-* "-"??_-;_-@_-</c:formatCode>
-                <c:ptCount val="27"/>
-                <c:pt idx="0">
-                  <c:v>6.0000000000000001E-3</c:v>
-                </c:pt>
-                <c:pt idx="1">
-                  <c:v>1E-3</c:v>
-                </c:pt>
-                <c:pt idx="2">
-                  <c:v>1E-3</c:v>
-                </c:pt>
-                <c:pt idx="3">
-                  <c:v>1E-3</c:v>
-                </c:pt>
-                <c:pt idx="4">
-                  <c:v>2E-3</c:v>
-                </c:pt>
-                <c:pt idx="5">
-                  <c:v>47208.5</c:v>
-                </c:pt>
-                <c:pt idx="6">
-                  <c:v>44475.333333333336</c:v>
-                </c:pt>
-                <c:pt idx="7">
-                  <c:v>1876632.6666666667</c:v>
-                </c:pt>
-                <c:pt idx="8">
-                  <c:v>70088.666666666672</c:v>
-                </c:pt>
-                <c:pt idx="9">
-                  <c:v>1.5E-3</c:v>
-                </c:pt>
-                <c:pt idx="10">
-                  <c:v>2E-3</c:v>
-                </c:pt>
-                <c:pt idx="11">
-                  <c:v>1.5E-3</c:v>
-                </c:pt>
-                <c:pt idx="12">
-                  <c:v>2.5000000000000001E-3</c:v>
-                </c:pt>
-                <c:pt idx="13">
-                  <c:v>1E-3</c:v>
-                </c:pt>
-                <c:pt idx="14">
-                  <c:v>6.5000000000000006E-3</c:v>
-                </c:pt>
-                <c:pt idx="15">
-                  <c:v>3.0000000000000001E-3</c:v>
-                </c:pt>
-                <c:pt idx="16">
-                  <c:v>1.5E-3</c:v>
-                </c:pt>
-                <c:pt idx="17">
-                  <c:v>1.5E-3</c:v>
-                </c:pt>
-                <c:pt idx="18">
-                  <c:v>1.5E-3</c:v>
-                </c:pt>
-                <c:pt idx="19">
-                  <c:v>4.0000000000000001E-3</c:v>
-                </c:pt>
-                <c:pt idx="20">
-                  <c:v>2E-3</c:v>
-                </c:pt>
-                <c:pt idx="21">
-                  <c:v>1.5E-3</c:v>
-                </c:pt>
-                <c:pt idx="22">
-                  <c:v>0.63400000000000001</c:v>
-                </c:pt>
-                <c:pt idx="23">
-                  <c:v>1.5E-3</c:v>
-                </c:pt>
-                <c:pt idx="24">
-                  <c:v>6.0000000000000001E-3</c:v>
-                </c:pt>
-                <c:pt idx="25">
-                  <c:v>2E-3</c:v>
-                </c:pt>
-                <c:pt idx="26">
-                  <c:v>29901.333333333332</c:v>
-                </c:pt>
-              </c:numCache>
-            </c:numRef>
-          </c:val>
-        </c:ser>
-        <c:ser>
-          <c:idx val="4"/>
-          <c:order val="4"/>
-          <c:tx>
-            <c:strRef>
-              <c:f>'N=500000'!$F$3</c:f>
-              <c:strCache>
-                <c:ptCount val="1"/>
-                <c:pt idx="0">
-                  <c:v>PYTHON</c:v>
-                </c:pt>
-              </c:strCache>
-            </c:strRef>
-          </c:tx>
-          <c:invertIfNegative val="0"/>
-          <c:cat>
-            <c:strRef>
-              <c:f>'N=500000'!$A$4:$A$30</c:f>
-              <c:strCache>
-                <c:ptCount val="27"/>
-                <c:pt idx="0">
-                  <c:v>cons:</c:v>
-                </c:pt>
-                <c:pt idx="1">
-                  <c:v>concat2:</c:v>
-                </c:pt>
-                <c:pt idx="2">
-                  <c:v>concat1:</c:v>
-                </c:pt>
-                <c:pt idx="3">
-                  <c:v>tail:</c:v>
-                </c:pt>
-                <c:pt idx="4">
-                  <c:v>init:</c:v>
-                </c:pt>
-                <c:pt idx="5">
-                  <c:v>at:</c:v>
-                </c:pt>
-                <c:pt idx="6">
-                  <c:v>reverse:</c:v>
-                </c:pt>
-                <c:pt idx="7">
-                  <c:v>foldl:</c:v>
-                </c:pt>
-                <c:pt idx="8">
-                  <c:v>foldr:</c:v>
-                </c:pt>
-                <c:pt idx="9">
-                  <c:v>scanl:</c:v>
-                </c:pt>
-                <c:pt idx="10">
-                  <c:v>scanr:</c:v>
-                </c:pt>
-                <c:pt idx="11">
-                  <c:v>map:</c:v>
-                </c:pt>
-                <c:pt idx="12">
-                  <c:v>concatMap:</c:v>
-                </c:pt>
-                <c:pt idx="13">
-                  <c:v>zip:</c:v>
-                </c:pt>
-                <c:pt idx="14">
-                  <c:v>zip3:</c:v>
-                </c:pt>
-                <c:pt idx="15">
-                  <c:v>zipWith:</c:v>
-                </c:pt>
-                <c:pt idx="16">
-                  <c:v>zipWith3:</c:v>
-                </c:pt>
-                <c:pt idx="17">
-                  <c:v>unzip:</c:v>
-                </c:pt>
-                <c:pt idx="18">
-                  <c:v>unzip3:</c:v>
-                </c:pt>
-                <c:pt idx="19">
-                  <c:v>filter:</c:v>
-                </c:pt>
-                <c:pt idx="20">
-                  <c:v>take:</c:v>
-                </c:pt>
-                <c:pt idx="21">
-                  <c:v>takeWhile:</c:v>
-                </c:pt>
-                <c:pt idx="22">
-                  <c:v>drop:</c:v>
-                </c:pt>
-                <c:pt idx="23">
-                  <c:v>dropWhile:</c:v>
-                </c:pt>
-                <c:pt idx="24">
-                  <c:v>span_container:</c:v>
-                </c:pt>
-                <c:pt idx="25">
-                  <c:v>break_container:</c:v>
-                </c:pt>
-                <c:pt idx="26">
-                  <c:v>splitAt:</c:v>
-                </c:pt>
-              </c:strCache>
-            </c:strRef>
-          </c:cat>
-          <c:val>
-            <c:numRef>
-              <c:f>'N=500000'!$F$4:$F$30</c:f>
-              <c:numCache>
-                <c:formatCode>0.0</c:formatCode>
-                <c:ptCount val="27"/>
-                <c:pt idx="0">
-                  <c:v>5.4576666666665767</c:v>
-                </c:pt>
-                <c:pt idx="1">
-                  <c:v>9.7323333333332993</c:v>
-                </c:pt>
-                <c:pt idx="3">
-                  <c:v>3.40266666666651</c:v>
-                </c:pt>
-                <c:pt idx="4">
-                  <c:v>3.1399999999998438</c:v>
-                </c:pt>
-                <c:pt idx="5">
-                  <c:v>1.6666666666035658E-3</c:v>
-                </c:pt>
-                <c:pt idx="6">
-                  <c:v>3.1749999999999967</c:v>
-                </c:pt>
-                <c:pt idx="7">
-                  <c:v>62.330333333333236</c:v>
-                </c:pt>
-                <c:pt idx="11">
-                  <c:v>2.3333333333634167E-3</c:v>
-                </c:pt>
-                <c:pt idx="13">
-                  <c:v>1.6666666668996232E-3</c:v>
-                </c:pt>
-                <c:pt idx="14">
-                  <c:v>1.3333333333716668E-3</c:v>
-                </c:pt>
-                <c:pt idx="15">
-                  <c:v>119.50399999999934</c:v>
-                </c:pt>
-                <c:pt idx="16">
-                  <c:v>231.49333333333303</c:v>
-                </c:pt>
-                <c:pt idx="17">
-                  <c:v>320.59366666666631</c:v>
-                </c:pt>
-                <c:pt idx="18">
-                  <c:v>1.3333333335196968E-3</c:v>
-                </c:pt>
-                <c:pt idx="19">
-                  <c:v>1.6666666663075031E-3</c:v>
-                </c:pt>
-                <c:pt idx="20">
-                  <c:v>5.7000000000269772E-2</c:v>
-                </c:pt>
-                <c:pt idx="21">
-                  <c:v>6.3333333330343492E-3</c:v>
-                </c:pt>
-                <c:pt idx="22">
-                  <c:v>4.7313333333338603</c:v>
-                </c:pt>
-                <c:pt idx="23">
-                  <c:v>1.6666666657153863E-3</c:v>
-                </c:pt>
-                <c:pt idx="24">
-                  <c:v>2.3333333333634167E-3</c:v>
-                </c:pt>
-                <c:pt idx="25">
-                  <c:v>3.0000000001232699E-3</c:v>
-                </c:pt>
-                <c:pt idx="26">
-                  <c:v>3.6966666666667529</c:v>
-                </c:pt>
-              </c:numCache>
-            </c:numRef>
-          </c:val>
-        </c:ser>
-        <c:dLbls>
-          <c:showLegendKey val="0"/>
-          <c:showVal val="0"/>
-          <c:showCatName val="0"/>
-          <c:showSerName val="0"/>
-          <c:showPercent val="0"/>
-          <c:showBubbleSize val="0"/>
-        </c:dLbls>
-        <c:gapWidth val="150"/>
-        <c:axId val="369362536"/>
-        <c:axId val="369362928"/>
-      </c:barChart>
-      <c:catAx>
-        <c:axId val="369362536"/>
-        <c:scaling>
-          <c:orientation val="minMax"/>
-        </c:scaling>
-        <c:delete val="0"/>
-        <c:axPos val="b"/>
-        <c:numFmt formatCode="General" sourceLinked="0"/>
-        <c:majorTickMark val="none"/>
-        <c:minorTickMark val="none"/>
-        <c:tickLblPos val="nextTo"/>
-        <c:crossAx val="369362928"/>
-        <c:crossesAt val="0"/>
-        <c:auto val="1"/>
-        <c:lblAlgn val="ctr"/>
-        <c:lblOffset val="100"/>
-        <c:noMultiLvlLbl val="0"/>
-      </c:catAx>
-      <c:valAx>
-        <c:axId val="369362928"/>
-        <c:scaling>
-          <c:logBase val="10"/>
-          <c:orientation val="minMax"/>
-        </c:scaling>
-        <c:delete val="0"/>
-        <c:axPos val="l"/>
-        <c:majorGridlines/>
-        <c:numFmt formatCode="0.0" sourceLinked="1"/>
-        <c:majorTickMark val="none"/>
-        <c:minorTickMark val="none"/>
-        <c:tickLblPos val="nextTo"/>
-        <c:crossAx val="369362536"/>
-        <c:crosses val="autoZero"/>
-        <c:crossBetween val="between"/>
-      </c:valAx>
-    </c:plotArea>
-    <c:legend>
-      <c:legendPos val="b"/>
-      <c:layout/>
-      <c:overlay val="0"/>
-    </c:legend>
-    <c:plotVisOnly val="1"/>
-    <c:dispBlanksAs val="gap"/>
-    <c:showDLblsOverMax val="0"/>
-  </c:chart>
-  <c:externalData r:id="rId1">
-    <c:autoUpdate val="0"/>
-  </c:externalData>
-</c:chartSpace>
-</file>
-
-<file path=ppt/charts/chart2.xml><?xml version="1.0" encoding="utf-8"?>
-<c:chartSpace xmlns:c="http://schemas.openxmlformats.org/drawingml/2006/chart" xmlns:a="http://schemas.openxmlformats.org/drawingml/2006/main" xmlns:r="http://schemas.openxmlformats.org/officeDocument/2006/relationships">
-  <c:date1904 val="0"/>
-  <c:lang val="en-US"/>
-  <c:roundedCorners val="0"/>
-  <mc:AlternateContent xmlns:mc="http://schemas.openxmlformats.org/markup-compatibility/2006">
-    <mc:Choice xmlns:c14="http://schemas.microsoft.com/office/drawing/2007/8/2/chart" Requires="c14">
-      <c14:style val="118"/>
-    </mc:Choice>
-    <mc:Fallback>
-      <c:style val="18"/>
-    </mc:Fallback>
-  </mc:AlternateContent>
-  <c:chart>
-    <c:title>
-      <c:tx>
-        <c:rich>
-          <a:bodyPr/>
-          <a:lstStyle/>
-          <a:p>
-            <a:pPr>
-              <a:defRPr/>
-            </a:pPr>
-            <a:r>
-              <a:rPr lang="en-US"/>
-              <a:t>Records</a:t>
-            </a:r>
-            <a:r>
-              <a:rPr lang="en-US" baseline="0"/>
-              <a:t> 500,000 units</a:t>
-            </a:r>
-            <a:endParaRPr lang="en-US"/>
-          </a:p>
-        </c:rich>
-      </c:tx>
-      <c:layout/>
-      <c:overlay val="0"/>
-    </c:title>
-    <c:autoTitleDeleted val="0"/>
-    <c:plotArea>
-      <c:layout/>
-      <c:barChart>
-        <c:barDir val="col"/>
-        <c:grouping val="clustered"/>
-        <c:varyColors val="0"/>
-        <c:ser>
-          <c:idx val="0"/>
-          <c:order val="0"/>
-          <c:tx>
-            <c:strRef>
-              <c:f>'N=500000'!$B$34</c:f>
-              <c:strCache>
-                <c:ptCount val="1"/>
-                <c:pt idx="0">
-                  <c:v>HUSKY</c:v>
-                </c:pt>
-              </c:strCache>
-            </c:strRef>
-          </c:tx>
-          <c:invertIfNegative val="0"/>
-          <c:cat>
-            <c:strRef>
-              <c:f>'N=500000'!$A$35:$A$61</c:f>
-              <c:strCache>
-                <c:ptCount val="27"/>
-                <c:pt idx="0">
-                  <c:v>cons:</c:v>
-                </c:pt>
-                <c:pt idx="1">
-                  <c:v>concat2:</c:v>
-                </c:pt>
-                <c:pt idx="2">
-                  <c:v>concat1:</c:v>
-                </c:pt>
-                <c:pt idx="3">
-                  <c:v>tail:</c:v>
-                </c:pt>
-                <c:pt idx="4">
-                  <c:v>init:</c:v>
-                </c:pt>
-                <c:pt idx="5">
-                  <c:v>at:</c:v>
-                </c:pt>
-                <c:pt idx="6">
-                  <c:v>reverse:</c:v>
-                </c:pt>
-                <c:pt idx="7">
-                  <c:v>foldl:</c:v>
-                </c:pt>
-                <c:pt idx="8">
-                  <c:v>foldr:</c:v>
-                </c:pt>
-                <c:pt idx="9">
-                  <c:v>scanl:</c:v>
-                </c:pt>
-                <c:pt idx="10">
-                  <c:v>scanr:</c:v>
-                </c:pt>
-                <c:pt idx="11">
-                  <c:v>map:</c:v>
-                </c:pt>
-                <c:pt idx="12">
-                  <c:v>concatMap:</c:v>
-                </c:pt>
-                <c:pt idx="13">
-                  <c:v>zip:</c:v>
-                </c:pt>
-                <c:pt idx="14">
-                  <c:v>zip3:</c:v>
-                </c:pt>
-                <c:pt idx="15">
-                  <c:v>zipWith:</c:v>
-                </c:pt>
-                <c:pt idx="16">
-                  <c:v>zipWith3:</c:v>
-                </c:pt>
-                <c:pt idx="17">
-                  <c:v>unzip:</c:v>
-                </c:pt>
-                <c:pt idx="18">
-                  <c:v>unzip3:</c:v>
-                </c:pt>
-                <c:pt idx="19">
-                  <c:v>filter:</c:v>
-                </c:pt>
-                <c:pt idx="20">
-                  <c:v>take:</c:v>
-                </c:pt>
-                <c:pt idx="21">
-                  <c:v>takeWhile:</c:v>
-                </c:pt>
-                <c:pt idx="22">
-                  <c:v>drop:</c:v>
-                </c:pt>
-                <c:pt idx="23">
-                  <c:v>dropWhile:</c:v>
-                </c:pt>
-                <c:pt idx="24">
-                  <c:v>span_container:</c:v>
-                </c:pt>
-                <c:pt idx="25">
-                  <c:v>break_container:</c:v>
-                </c:pt>
-                <c:pt idx="26">
-                  <c:v>splitAt:</c:v>
-                </c:pt>
-              </c:strCache>
-            </c:strRef>
-          </c:cat>
-          <c:val>
-            <c:numRef>
-              <c:f>'N=500000'!$B$35:$B$61</c:f>
-              <c:numCache>
-                <c:formatCode>0.0</c:formatCode>
-                <c:ptCount val="27"/>
-                <c:pt idx="0">
-                  <c:v>93.333333333333329</c:v>
-                </c:pt>
-                <c:pt idx="1">
-                  <c:v>228</c:v>
-                </c:pt>
-                <c:pt idx="2">
-                  <c:v>438</c:v>
-                </c:pt>
-                <c:pt idx="3">
-                  <c:v>85.666666666666671</c:v>
-                </c:pt>
-                <c:pt idx="4">
-                  <c:v>69.333333333333329</c:v>
-                </c:pt>
-                <c:pt idx="5">
-                  <c:v>41.333333333333336</c:v>
-                </c:pt>
-                <c:pt idx="6">
-                  <c:v>104</c:v>
-                </c:pt>
-                <c:pt idx="7">
-                  <c:v>42</c:v>
-                </c:pt>
-                <c:pt idx="8">
-                  <c:v>52.333333333333336</c:v>
-                </c:pt>
-                <c:pt idx="9">
-                  <c:v>105.66666666666667</c:v>
-                </c:pt>
-                <c:pt idx="10">
-                  <c:v>97.666666666666671</c:v>
-                </c:pt>
-                <c:pt idx="11">
-                  <c:v>219</c:v>
-                </c:pt>
-                <c:pt idx="12">
-                  <c:v>743.33333333333337</c:v>
-                </c:pt>
-                <c:pt idx="13">
-                  <c:v>216</c:v>
-                </c:pt>
-                <c:pt idx="14">
-                  <c:v>399.66666666666669</c:v>
-                </c:pt>
-                <c:pt idx="15">
-                  <c:v>308.66666666666669</c:v>
-                </c:pt>
-                <c:pt idx="16">
-                  <c:v>474</c:v>
-                </c:pt>
-                <c:pt idx="17">
-                  <c:v>442.66666666666669</c:v>
-                </c:pt>
-                <c:pt idx="18">
-                  <c:v>771.33333333333337</c:v>
-                </c:pt>
-                <c:pt idx="19">
-                  <c:v>145.66666666666666</c:v>
-                </c:pt>
-                <c:pt idx="20">
-                  <c:v>1.6666666666666667</c:v>
-                </c:pt>
-                <c:pt idx="21">
-                  <c:v>126.33333333333333</c:v>
-                </c:pt>
-                <c:pt idx="22">
-                  <c:v>98.333333333333329</c:v>
-                </c:pt>
-                <c:pt idx="23">
-                  <c:v>124</c:v>
-                </c:pt>
-                <c:pt idx="24">
-                  <c:v>176.66666666666666</c:v>
-                </c:pt>
-                <c:pt idx="25">
-                  <c:v>189.66666666666666</c:v>
-                </c:pt>
-                <c:pt idx="26">
-                  <c:v>114.33333333333333</c:v>
-                </c:pt>
-              </c:numCache>
-            </c:numRef>
-          </c:val>
-        </c:ser>
-        <c:ser>
-          <c:idx val="1"/>
-          <c:order val="1"/>
-          <c:tx>
-            <c:strRef>
-              <c:f>'N=500000'!$C$34</c:f>
-              <c:strCache>
-                <c:ptCount val="1"/>
-                <c:pt idx="0">
-                  <c:v>FTL</c:v>
-                </c:pt>
-              </c:strCache>
-            </c:strRef>
-          </c:tx>
-          <c:invertIfNegative val="0"/>
-          <c:cat>
-            <c:strRef>
-              <c:f>'N=500000'!$A$35:$A$61</c:f>
-              <c:strCache>
-                <c:ptCount val="27"/>
-                <c:pt idx="0">
-                  <c:v>cons:</c:v>
-                </c:pt>
-                <c:pt idx="1">
-                  <c:v>concat2:</c:v>
-                </c:pt>
-                <c:pt idx="2">
-                  <c:v>concat1:</c:v>
-                </c:pt>
-                <c:pt idx="3">
-                  <c:v>tail:</c:v>
-                </c:pt>
-                <c:pt idx="4">
-                  <c:v>init:</c:v>
-                </c:pt>
-                <c:pt idx="5">
-                  <c:v>at:</c:v>
-                </c:pt>
-                <c:pt idx="6">
-                  <c:v>reverse:</c:v>
-                </c:pt>
-                <c:pt idx="7">
-                  <c:v>foldl:</c:v>
-                </c:pt>
-                <c:pt idx="8">
-                  <c:v>foldr:</c:v>
-                </c:pt>
-                <c:pt idx="9">
-                  <c:v>scanl:</c:v>
-                </c:pt>
-                <c:pt idx="10">
-                  <c:v>scanr:</c:v>
-                </c:pt>
-                <c:pt idx="11">
-                  <c:v>map:</c:v>
-                </c:pt>
-                <c:pt idx="12">
-                  <c:v>concatMap:</c:v>
-                </c:pt>
-                <c:pt idx="13">
-                  <c:v>zip:</c:v>
-                </c:pt>
-                <c:pt idx="14">
-                  <c:v>zip3:</c:v>
-                </c:pt>
-                <c:pt idx="15">
-                  <c:v>zipWith:</c:v>
-                </c:pt>
-                <c:pt idx="16">
-                  <c:v>zipWith3:</c:v>
-                </c:pt>
-                <c:pt idx="17">
-                  <c:v>unzip:</c:v>
-                </c:pt>
-                <c:pt idx="18">
-                  <c:v>unzip3:</c:v>
-                </c:pt>
-                <c:pt idx="19">
-                  <c:v>filter:</c:v>
-                </c:pt>
-                <c:pt idx="20">
-                  <c:v>take:</c:v>
-                </c:pt>
-                <c:pt idx="21">
-                  <c:v>takeWhile:</c:v>
-                </c:pt>
-                <c:pt idx="22">
-                  <c:v>drop:</c:v>
-                </c:pt>
-                <c:pt idx="23">
-                  <c:v>dropWhile:</c:v>
-                </c:pt>
-                <c:pt idx="24">
-                  <c:v>span_container:</c:v>
-                </c:pt>
-                <c:pt idx="25">
-                  <c:v>break_container:</c:v>
-                </c:pt>
-                <c:pt idx="26">
-                  <c:v>splitAt:</c:v>
-                </c:pt>
-              </c:strCache>
-            </c:strRef>
-          </c:cat>
-          <c:val>
-            <c:numRef>
-              <c:f>'N=500000'!$C$35:$C$61</c:f>
-              <c:numCache>
-                <c:formatCode>General</c:formatCode>
-                <c:ptCount val="27"/>
-                <c:pt idx="7">
-                  <c:v>44.333333333333336</c:v>
-                </c:pt>
-                <c:pt idx="8">
-                  <c:v>53.666666666666664</c:v>
-                </c:pt>
-                <c:pt idx="11">
-                  <c:v>197.33333333333334</c:v>
-                </c:pt>
-                <c:pt idx="12">
-                  <c:v>419</c:v>
-                </c:pt>
-                <c:pt idx="13">
-                  <c:v>255.33333333333334</c:v>
-                </c:pt>
-                <c:pt idx="15">
-                  <c:v>274.33333333333331</c:v>
-                </c:pt>
-              </c:numCache>
-            </c:numRef>
-          </c:val>
-        </c:ser>
-        <c:ser>
-          <c:idx val="2"/>
-          <c:order val="2"/>
-          <c:tx>
-            <c:strRef>
-              <c:f>'N=500000'!$D$34</c:f>
-              <c:strCache>
-                <c:ptCount val="1"/>
-                <c:pt idx="0">
-                  <c:v>FC++</c:v>
-                </c:pt>
-              </c:strCache>
-            </c:strRef>
-          </c:tx>
-          <c:invertIfNegative val="0"/>
-          <c:cat>
-            <c:strRef>
-              <c:f>'N=500000'!$A$35:$A$61</c:f>
-              <c:strCache>
-                <c:ptCount val="27"/>
-                <c:pt idx="0">
-                  <c:v>cons:</c:v>
-                </c:pt>
-                <c:pt idx="1">
-                  <c:v>concat2:</c:v>
-                </c:pt>
-                <c:pt idx="2">
-                  <c:v>concat1:</c:v>
-                </c:pt>
-                <c:pt idx="3">
-                  <c:v>tail:</c:v>
-                </c:pt>
-                <c:pt idx="4">
-                  <c:v>init:</c:v>
-                </c:pt>
-                <c:pt idx="5">
-                  <c:v>at:</c:v>
-                </c:pt>
-                <c:pt idx="6">
-                  <c:v>reverse:</c:v>
-                </c:pt>
-                <c:pt idx="7">
-                  <c:v>foldl:</c:v>
-                </c:pt>
-                <c:pt idx="8">
-                  <c:v>foldr:</c:v>
-                </c:pt>
-                <c:pt idx="9">
-                  <c:v>scanl:</c:v>
-                </c:pt>
-                <c:pt idx="10">
-                  <c:v>scanr:</c:v>
-                </c:pt>
-                <c:pt idx="11">
-                  <c:v>map:</c:v>
-                </c:pt>
-                <c:pt idx="12">
-                  <c:v>concatMap:</c:v>
-                </c:pt>
-                <c:pt idx="13">
-                  <c:v>zip:</c:v>
-                </c:pt>
-                <c:pt idx="14">
-                  <c:v>zip3:</c:v>
-                </c:pt>
-                <c:pt idx="15">
-                  <c:v>zipWith:</c:v>
-                </c:pt>
-                <c:pt idx="16">
-                  <c:v>zipWith3:</c:v>
-                </c:pt>
-                <c:pt idx="17">
-                  <c:v>unzip:</c:v>
-                </c:pt>
-                <c:pt idx="18">
-                  <c:v>unzip3:</c:v>
-                </c:pt>
-                <c:pt idx="19">
-                  <c:v>filter:</c:v>
-                </c:pt>
-                <c:pt idx="20">
-                  <c:v>take:</c:v>
-                </c:pt>
-                <c:pt idx="21">
-                  <c:v>takeWhile:</c:v>
-                </c:pt>
-                <c:pt idx="22">
-                  <c:v>drop:</c:v>
-                </c:pt>
-                <c:pt idx="23">
-                  <c:v>dropWhile:</c:v>
-                </c:pt>
-                <c:pt idx="24">
-                  <c:v>span_container:</c:v>
-                </c:pt>
-                <c:pt idx="25">
-                  <c:v>break_container:</c:v>
-                </c:pt>
-                <c:pt idx="26">
-                  <c:v>splitAt:</c:v>
-                </c:pt>
-              </c:strCache>
-            </c:strRef>
-          </c:cat>
-          <c:val>
-            <c:numRef>
-              <c:f>'N=500000'!$D$35:$D$61</c:f>
-              <c:numCache>
-                <c:formatCode>General</c:formatCode>
-                <c:ptCount val="27"/>
-              </c:numCache>
-            </c:numRef>
-          </c:val>
-        </c:ser>
-        <c:ser>
-          <c:idx val="3"/>
-          <c:order val="3"/>
-          <c:tx>
-            <c:strRef>
-              <c:f>'N=500000'!$E$34</c:f>
-              <c:strCache>
-                <c:ptCount val="1"/>
-                <c:pt idx="0">
-                  <c:v>HASKEL</c:v>
-                </c:pt>
-              </c:strCache>
-            </c:strRef>
-          </c:tx>
-          <c:invertIfNegative val="0"/>
-          <c:cat>
-            <c:strRef>
-              <c:f>'N=500000'!$A$35:$A$61</c:f>
-              <c:strCache>
-                <c:ptCount val="27"/>
-                <c:pt idx="0">
-                  <c:v>cons:</c:v>
-                </c:pt>
-                <c:pt idx="1">
-                  <c:v>concat2:</c:v>
-                </c:pt>
-                <c:pt idx="2">
-                  <c:v>concat1:</c:v>
-                </c:pt>
-                <c:pt idx="3">
-                  <c:v>tail:</c:v>
-                </c:pt>
-                <c:pt idx="4">
-                  <c:v>init:</c:v>
-                </c:pt>
-                <c:pt idx="5">
-                  <c:v>at:</c:v>
-                </c:pt>
-                <c:pt idx="6">
-                  <c:v>reverse:</c:v>
-                </c:pt>
-                <c:pt idx="7">
-                  <c:v>foldl:</c:v>
-                </c:pt>
-                <c:pt idx="8">
-                  <c:v>foldr:</c:v>
-                </c:pt>
-                <c:pt idx="9">
-                  <c:v>scanl:</c:v>
-                </c:pt>
-                <c:pt idx="10">
-                  <c:v>scanr:</c:v>
-                </c:pt>
-                <c:pt idx="11">
-                  <c:v>map:</c:v>
-                </c:pt>
-                <c:pt idx="12">
-                  <c:v>concatMap:</c:v>
-                </c:pt>
-                <c:pt idx="13">
-                  <c:v>zip:</c:v>
-                </c:pt>
-                <c:pt idx="14">
-                  <c:v>zip3:</c:v>
-                </c:pt>
-                <c:pt idx="15">
-                  <c:v>zipWith:</c:v>
-                </c:pt>
-                <c:pt idx="16">
-                  <c:v>zipWith3:</c:v>
-                </c:pt>
-                <c:pt idx="17">
-                  <c:v>unzip:</c:v>
-                </c:pt>
-                <c:pt idx="18">
-                  <c:v>unzip3:</c:v>
-                </c:pt>
-                <c:pt idx="19">
-                  <c:v>filter:</c:v>
-                </c:pt>
-                <c:pt idx="20">
-                  <c:v>take:</c:v>
-                </c:pt>
-                <c:pt idx="21">
-                  <c:v>takeWhile:</c:v>
-                </c:pt>
-                <c:pt idx="22">
-                  <c:v>drop:</c:v>
-                </c:pt>
-                <c:pt idx="23">
-                  <c:v>dropWhile:</c:v>
-                </c:pt>
-                <c:pt idx="24">
-                  <c:v>span_container:</c:v>
-                </c:pt>
-                <c:pt idx="25">
-                  <c:v>break_container:</c:v>
-                </c:pt>
-                <c:pt idx="26">
-                  <c:v>splitAt:</c:v>
-                </c:pt>
-              </c:strCache>
-            </c:strRef>
-          </c:cat>
-          <c:val>
-            <c:numRef>
-              <c:f>'N=500000'!$E$35:$E$61</c:f>
-              <c:numCache>
-                <c:formatCode>General</c:formatCode>
-                <c:ptCount val="27"/>
-              </c:numCache>
-            </c:numRef>
-          </c:val>
-        </c:ser>
-        <c:ser>
-          <c:idx val="4"/>
-          <c:order val="4"/>
-          <c:tx>
-            <c:strRef>
-              <c:f>'N=500000'!$F$34</c:f>
-              <c:strCache>
-                <c:ptCount val="1"/>
-                <c:pt idx="0">
-                  <c:v>PYTHON</c:v>
-                </c:pt>
-              </c:strCache>
-            </c:strRef>
-          </c:tx>
-          <c:invertIfNegative val="0"/>
-          <c:cat>
-            <c:strRef>
-              <c:f>'N=500000'!$A$35:$A$61</c:f>
-              <c:strCache>
-                <c:ptCount val="27"/>
-                <c:pt idx="0">
-                  <c:v>cons:</c:v>
-                </c:pt>
-                <c:pt idx="1">
-                  <c:v>concat2:</c:v>
-                </c:pt>
-                <c:pt idx="2">
-                  <c:v>concat1:</c:v>
-                </c:pt>
-                <c:pt idx="3">
-                  <c:v>tail:</c:v>
-                </c:pt>
-                <c:pt idx="4">
-                  <c:v>init:</c:v>
-                </c:pt>
-                <c:pt idx="5">
-                  <c:v>at:</c:v>
-                </c:pt>
-                <c:pt idx="6">
-                  <c:v>reverse:</c:v>
-                </c:pt>
-                <c:pt idx="7">
-                  <c:v>foldl:</c:v>
-                </c:pt>
-                <c:pt idx="8">
-                  <c:v>foldr:</c:v>
-                </c:pt>
-                <c:pt idx="9">
-                  <c:v>scanl:</c:v>
-                </c:pt>
-                <c:pt idx="10">
-                  <c:v>scanr:</c:v>
-                </c:pt>
-                <c:pt idx="11">
-                  <c:v>map:</c:v>
-                </c:pt>
-                <c:pt idx="12">
-                  <c:v>concatMap:</c:v>
-                </c:pt>
-                <c:pt idx="13">
-                  <c:v>zip:</c:v>
-                </c:pt>
-                <c:pt idx="14">
-                  <c:v>zip3:</c:v>
-                </c:pt>
-                <c:pt idx="15">
-                  <c:v>zipWith:</c:v>
-                </c:pt>
-                <c:pt idx="16">
-                  <c:v>zipWith3:</c:v>
-                </c:pt>
-                <c:pt idx="17">
-                  <c:v>unzip:</c:v>
-                </c:pt>
-                <c:pt idx="18">
-                  <c:v>unzip3:</c:v>
-                </c:pt>
-                <c:pt idx="19">
-                  <c:v>filter:</c:v>
-                </c:pt>
-                <c:pt idx="20">
-                  <c:v>take:</c:v>
-                </c:pt>
-                <c:pt idx="21">
-                  <c:v>takeWhile:</c:v>
-                </c:pt>
-                <c:pt idx="22">
-                  <c:v>drop:</c:v>
-                </c:pt>
-                <c:pt idx="23">
-                  <c:v>dropWhile:</c:v>
-                </c:pt>
-                <c:pt idx="24">
-                  <c:v>span_container:</c:v>
-                </c:pt>
-                <c:pt idx="25">
-                  <c:v>break_container:</c:v>
-                </c:pt>
-                <c:pt idx="26">
-                  <c:v>splitAt:</c:v>
-                </c:pt>
-              </c:strCache>
-            </c:strRef>
-          </c:cat>
-          <c:val>
-            <c:numRef>
-              <c:f>'N=500000'!$F$35:$F$61</c:f>
-              <c:numCache>
-                <c:formatCode>0.0</c:formatCode>
-                <c:ptCount val="27"/>
-                <c:pt idx="0">
-                  <c:v>5.4113333333332827</c:v>
-                </c:pt>
-                <c:pt idx="1">
-                  <c:v>12.250666666666733</c:v>
-                </c:pt>
-                <c:pt idx="3">
-                  <c:v>5.2383333333333768</c:v>
-                </c:pt>
-                <c:pt idx="4">
-                  <c:v>4.4883333333335003</c:v>
-                </c:pt>
-                <c:pt idx="5">
-                  <c:v>3.3333333337992333E-4</c:v>
-                </c:pt>
-                <c:pt idx="6">
-                  <c:v>4.7539999999998459</c:v>
-                </c:pt>
-                <c:pt idx="7">
-                  <c:v>137.97366666666599</c:v>
-                </c:pt>
-                <c:pt idx="8">
-                  <c:v>9.9999999999174339E-4</c:v>
-                </c:pt>
-                <c:pt idx="11">
-                  <c:v>9.9999999999174339E-4</c:v>
-                </c:pt>
-                <c:pt idx="13">
-                  <c:v>6.6666666675984667E-4</c:v>
-                </c:pt>
-                <c:pt idx="14">
-                  <c:v>0</c:v>
-                </c:pt>
-                <c:pt idx="15">
-                  <c:v>1020.7836666666634</c:v>
-                </c:pt>
-                <c:pt idx="16">
-                  <c:v>1585.28733333333</c:v>
-                </c:pt>
-                <c:pt idx="17">
-                  <c:v>371.20866666666598</c:v>
-                </c:pt>
-                <c:pt idx="18">
-                  <c:v>3.3333333337992333E-4</c:v>
-                </c:pt>
-                <c:pt idx="19">
-                  <c:v>9.9999999984371336E-4</c:v>
-                </c:pt>
-                <c:pt idx="20">
-                  <c:v>8.43333333335749E-2</c:v>
-                </c:pt>
-                <c:pt idx="21">
-                  <c:v>6.6666666705590672E-4</c:v>
-                </c:pt>
-                <c:pt idx="22">
-                  <c:v>5.409000000000213</c:v>
-                </c:pt>
-                <c:pt idx="23">
-                  <c:v>3.3333333308386632E-4</c:v>
-                </c:pt>
-                <c:pt idx="24">
-                  <c:v>1.3333333332236396E-3</c:v>
-                </c:pt>
-                <c:pt idx="25">
-                  <c:v>1.3333333338157569E-3</c:v>
-                </c:pt>
-                <c:pt idx="26">
-                  <c:v>5.0179999999997404</c:v>
-                </c:pt>
-              </c:numCache>
-            </c:numRef>
-          </c:val>
-        </c:ser>
-        <c:dLbls>
-          <c:showLegendKey val="0"/>
-          <c:showVal val="0"/>
-          <c:showCatName val="0"/>
-          <c:showSerName val="0"/>
-          <c:showPercent val="0"/>
-          <c:showBubbleSize val="0"/>
-        </c:dLbls>
-        <c:gapWidth val="150"/>
-        <c:axId val="365496512"/>
-        <c:axId val="365492984"/>
-      </c:barChart>
-      <c:catAx>
-        <c:axId val="365496512"/>
-        <c:scaling>
-          <c:orientation val="minMax"/>
-        </c:scaling>
-        <c:delete val="0"/>
-        <c:axPos val="b"/>
-        <c:numFmt formatCode="General" sourceLinked="0"/>
-        <c:majorTickMark val="none"/>
-        <c:minorTickMark val="none"/>
-        <c:tickLblPos val="nextTo"/>
-        <c:crossAx val="365492984"/>
-        <c:crossesAt val="0"/>
-        <c:auto val="1"/>
-        <c:lblAlgn val="ctr"/>
-        <c:lblOffset val="100"/>
-        <c:noMultiLvlLbl val="0"/>
-      </c:catAx>
-      <c:valAx>
-        <c:axId val="365492984"/>
-        <c:scaling>
-          <c:logBase val="10"/>
-          <c:orientation val="minMax"/>
-        </c:scaling>
-        <c:delete val="0"/>
-        <c:axPos val="l"/>
-        <c:majorGridlines/>
-        <c:numFmt formatCode="0.0" sourceLinked="1"/>
-        <c:majorTickMark val="none"/>
-        <c:minorTickMark val="none"/>
-        <c:tickLblPos val="nextTo"/>
-        <c:crossAx val="365496512"/>
-        <c:crosses val="autoZero"/>
-        <c:crossBetween val="between"/>
-      </c:valAx>
-    </c:plotArea>
-    <c:legend>
-      <c:legendPos val="b"/>
-      <c:layout/>
-      <c:overlay val="0"/>
-    </c:legend>
-    <c:plotVisOnly val="1"/>
-    <c:dispBlanksAs val="gap"/>
-    <c:showDLblsOverMax val="0"/>
-  </c:chart>
-  <c:externalData r:id="rId1">
-    <c:autoUpdate val="0"/>
-  </c:externalData>
-</c:chartSpace>
-</file>
-
-<file path=ppt/charts/chart3.xml><?xml version="1.0" encoding="utf-8"?>
-<c:chartSpace xmlns:c="http://schemas.openxmlformats.org/drawingml/2006/chart" xmlns:a="http://schemas.openxmlformats.org/drawingml/2006/main" xmlns:r="http://schemas.openxmlformats.org/officeDocument/2006/relationships">
-  <c:date1904 val="0"/>
-  <c:lang val="en-US"/>
-  <c:roundedCorners val="0"/>
-  <mc:AlternateContent xmlns:mc="http://schemas.openxmlformats.org/markup-compatibility/2006">
-    <mc:Choice xmlns:c14="http://schemas.microsoft.com/office/drawing/2007/8/2/chart" Requires="c14">
-      <c14:style val="118"/>
-    </mc:Choice>
-    <mc:Fallback>
-      <c:style val="18"/>
-    </mc:Fallback>
-  </mc:AlternateContent>
-  <c:chart>
-    <c:title>
-      <c:tx>
-        <c:rich>
-          <a:bodyPr/>
-          <a:lstStyle/>
-          <a:p>
-            <a:pPr>
-              <a:defRPr/>
-            </a:pPr>
-            <a:r>
-              <a:rPr lang="en-US"/>
-              <a:t>Strings</a:t>
-            </a:r>
-            <a:r>
-              <a:rPr lang="en-US" baseline="0"/>
-              <a:t> 500,000 units</a:t>
-            </a:r>
-            <a:endParaRPr lang="en-US"/>
-          </a:p>
-        </c:rich>
-      </c:tx>
-      <c:layout/>
-      <c:overlay val="0"/>
-    </c:title>
-    <c:autoTitleDeleted val="0"/>
-    <c:plotArea>
-      <c:layout/>
-      <c:barChart>
-        <c:barDir val="col"/>
-        <c:grouping val="clustered"/>
-        <c:varyColors val="0"/>
-        <c:ser>
-          <c:idx val="0"/>
-          <c:order val="0"/>
-          <c:tx>
-            <c:strRef>
-              <c:f>'N=500000'!$B$65</c:f>
-              <c:strCache>
-                <c:ptCount val="1"/>
-                <c:pt idx="0">
-                  <c:v>HUSKY</c:v>
-                </c:pt>
-              </c:strCache>
-            </c:strRef>
-          </c:tx>
-          <c:invertIfNegative val="0"/>
-          <c:cat>
-            <c:strRef>
-              <c:f>'N=500000'!$A$66:$A$96</c:f>
-              <c:strCache>
-                <c:ptCount val="31"/>
-                <c:pt idx="0">
-                  <c:v>cons:</c:v>
-                </c:pt>
-                <c:pt idx="1">
-                  <c:v>concat2:</c:v>
-                </c:pt>
-                <c:pt idx="2">
-                  <c:v>concat1:</c:v>
-                </c:pt>
-                <c:pt idx="3">
-                  <c:v>tail:</c:v>
-                </c:pt>
-                <c:pt idx="4">
-                  <c:v>init:</c:v>
-                </c:pt>
-                <c:pt idx="5">
-                  <c:v>at:</c:v>
-                </c:pt>
-                <c:pt idx="6">
-                  <c:v>reverse:</c:v>
-                </c:pt>
-                <c:pt idx="7">
-                  <c:v>foldl:</c:v>
-                </c:pt>
-                <c:pt idx="8">
-                  <c:v>foldr:</c:v>
-                </c:pt>
-                <c:pt idx="9">
-                  <c:v>scanl:</c:v>
-                </c:pt>
-                <c:pt idx="10">
-                  <c:v>scanr:</c:v>
-                </c:pt>
-                <c:pt idx="11">
-                  <c:v>map:</c:v>
-                </c:pt>
-                <c:pt idx="12">
-                  <c:v>concatMap:</c:v>
-                </c:pt>
-                <c:pt idx="13">
-                  <c:v>zip:</c:v>
-                </c:pt>
-                <c:pt idx="14">
-                  <c:v>zip3:</c:v>
-                </c:pt>
-                <c:pt idx="15">
-                  <c:v>zipWith:</c:v>
-                </c:pt>
-                <c:pt idx="16">
-                  <c:v>zipWith3:</c:v>
-                </c:pt>
-                <c:pt idx="17">
-                  <c:v>unzip:</c:v>
-                </c:pt>
-                <c:pt idx="18">
-                  <c:v>unzip3:</c:v>
-                </c:pt>
-                <c:pt idx="19">
-                  <c:v>unlines:</c:v>
-                </c:pt>
-                <c:pt idx="20">
-                  <c:v>lines:</c:v>
-                </c:pt>
-                <c:pt idx="21">
-                  <c:v>words:</c:v>
-                </c:pt>
-                <c:pt idx="22">
-                  <c:v>unwords:</c:v>
-                </c:pt>
-                <c:pt idx="23">
-                  <c:v>filter:</c:v>
-                </c:pt>
-                <c:pt idx="24">
-                  <c:v>take:</c:v>
-                </c:pt>
-                <c:pt idx="25">
-                  <c:v>takeWhile:</c:v>
-                </c:pt>
-                <c:pt idx="26">
-                  <c:v>drop:</c:v>
-                </c:pt>
-                <c:pt idx="27">
-                  <c:v>dropWhile:</c:v>
-                </c:pt>
-                <c:pt idx="28">
-                  <c:v>span_container:</c:v>
-                </c:pt>
-                <c:pt idx="29">
-                  <c:v>break_container:</c:v>
-                </c:pt>
-                <c:pt idx="30">
-                  <c:v>splitAt:</c:v>
-                </c:pt>
-              </c:strCache>
-            </c:strRef>
-          </c:cat>
-          <c:val>
-            <c:numRef>
-              <c:f>'N=500000'!$B$66:$B$96</c:f>
-              <c:numCache>
-                <c:formatCode>0.0</c:formatCode>
-                <c:ptCount val="31"/>
-                <c:pt idx="0">
-                  <c:v>102.33333333333333</c:v>
-                </c:pt>
-                <c:pt idx="1">
-                  <c:v>230.66666666666666</c:v>
-                </c:pt>
-                <c:pt idx="2">
-                  <c:v>439</c:v>
-                </c:pt>
-                <c:pt idx="3">
-                  <c:v>89.333333333333329</c:v>
-                </c:pt>
-                <c:pt idx="4">
-                  <c:v>74.666666666666671</c:v>
-                </c:pt>
-                <c:pt idx="5">
-                  <c:v>35</c:v>
-                </c:pt>
-                <c:pt idx="6">
-                  <c:v>104.33333333333333</c:v>
-                </c:pt>
-                <c:pt idx="7">
-                  <c:v>37.666666666666664</c:v>
-                </c:pt>
-                <c:pt idx="8">
-                  <c:v>44.333333333333336</c:v>
-                </c:pt>
-                <c:pt idx="9">
-                  <c:v>97.666666666666671</c:v>
-                </c:pt>
-                <c:pt idx="10">
-                  <c:v>90.666666666666671</c:v>
-                </c:pt>
-                <c:pt idx="11">
-                  <c:v>230</c:v>
-                </c:pt>
-                <c:pt idx="12">
-                  <c:v>822.66666666666663</c:v>
-                </c:pt>
-                <c:pt idx="13">
-                  <c:v>184</c:v>
-                </c:pt>
-                <c:pt idx="14">
-                  <c:v>348.66666666666669</c:v>
-                </c:pt>
-                <c:pt idx="15">
-                  <c:v>222</c:v>
-                </c:pt>
-                <c:pt idx="16">
-                  <c:v>469</c:v>
-                </c:pt>
-                <c:pt idx="17">
-                  <c:v>434.33333333333331</c:v>
-                </c:pt>
-                <c:pt idx="18">
-                  <c:v>763.66666666666663</c:v>
-                </c:pt>
-                <c:pt idx="19">
-                  <c:v>119.66666666666667</c:v>
-                </c:pt>
-                <c:pt idx="20">
-                  <c:v>528.66666666666663</c:v>
-                </c:pt>
-                <c:pt idx="21">
-                  <c:v>9.6666666666666661</c:v>
-                </c:pt>
-                <c:pt idx="22">
-                  <c:v>131.33333333333334</c:v>
-                </c:pt>
-                <c:pt idx="23">
-                  <c:v>126.33333333333333</c:v>
-                </c:pt>
-                <c:pt idx="24">
-                  <c:v>1.6666666666666667</c:v>
-                </c:pt>
-                <c:pt idx="25">
-                  <c:v>116.66666666666667</c:v>
-                </c:pt>
-                <c:pt idx="26">
-                  <c:v>93</c:v>
-                </c:pt>
-                <c:pt idx="27">
-                  <c:v>124.33333333333333</c:v>
-                </c:pt>
-                <c:pt idx="28">
-                  <c:v>123.66666666666667</c:v>
-                </c:pt>
-                <c:pt idx="29">
-                  <c:v>123.66666666666667</c:v>
-                </c:pt>
-                <c:pt idx="30">
-                  <c:v>109</c:v>
-                </c:pt>
-              </c:numCache>
-            </c:numRef>
-          </c:val>
-        </c:ser>
-        <c:ser>
-          <c:idx val="1"/>
-          <c:order val="1"/>
-          <c:tx>
-            <c:strRef>
-              <c:f>'N=500000'!$C$65</c:f>
-              <c:strCache>
-                <c:ptCount val="1"/>
-                <c:pt idx="0">
-                  <c:v>FTL</c:v>
-                </c:pt>
-              </c:strCache>
-            </c:strRef>
-          </c:tx>
-          <c:invertIfNegative val="0"/>
-          <c:cat>
-            <c:strRef>
-              <c:f>'N=500000'!$A$66:$A$96</c:f>
-              <c:strCache>
-                <c:ptCount val="31"/>
-                <c:pt idx="0">
-                  <c:v>cons:</c:v>
-                </c:pt>
-                <c:pt idx="1">
-                  <c:v>concat2:</c:v>
-                </c:pt>
-                <c:pt idx="2">
-                  <c:v>concat1:</c:v>
-                </c:pt>
-                <c:pt idx="3">
-                  <c:v>tail:</c:v>
-                </c:pt>
-                <c:pt idx="4">
-                  <c:v>init:</c:v>
-                </c:pt>
-                <c:pt idx="5">
-                  <c:v>at:</c:v>
-                </c:pt>
-                <c:pt idx="6">
-                  <c:v>reverse:</c:v>
-                </c:pt>
-                <c:pt idx="7">
-                  <c:v>foldl:</c:v>
-                </c:pt>
-                <c:pt idx="8">
-                  <c:v>foldr:</c:v>
-                </c:pt>
-                <c:pt idx="9">
-                  <c:v>scanl:</c:v>
-                </c:pt>
-                <c:pt idx="10">
-                  <c:v>scanr:</c:v>
-                </c:pt>
-                <c:pt idx="11">
-                  <c:v>map:</c:v>
-                </c:pt>
-                <c:pt idx="12">
-                  <c:v>concatMap:</c:v>
-                </c:pt>
-                <c:pt idx="13">
-                  <c:v>zip:</c:v>
-                </c:pt>
-                <c:pt idx="14">
-                  <c:v>zip3:</c:v>
-                </c:pt>
-                <c:pt idx="15">
-                  <c:v>zipWith:</c:v>
-                </c:pt>
-                <c:pt idx="16">
-                  <c:v>zipWith3:</c:v>
-                </c:pt>
-                <c:pt idx="17">
-                  <c:v>unzip:</c:v>
-                </c:pt>
-                <c:pt idx="18">
-                  <c:v>unzip3:</c:v>
-                </c:pt>
-                <c:pt idx="19">
-                  <c:v>unlines:</c:v>
-                </c:pt>
-                <c:pt idx="20">
-                  <c:v>lines:</c:v>
-                </c:pt>
-                <c:pt idx="21">
-                  <c:v>words:</c:v>
-                </c:pt>
-                <c:pt idx="22">
-                  <c:v>unwords:</c:v>
-                </c:pt>
-                <c:pt idx="23">
-                  <c:v>filter:</c:v>
-                </c:pt>
-                <c:pt idx="24">
-                  <c:v>take:</c:v>
-                </c:pt>
-                <c:pt idx="25">
-                  <c:v>takeWhile:</c:v>
-                </c:pt>
-                <c:pt idx="26">
-                  <c:v>drop:</c:v>
-                </c:pt>
-                <c:pt idx="27">
-                  <c:v>dropWhile:</c:v>
-                </c:pt>
-                <c:pt idx="28">
-                  <c:v>span_container:</c:v>
-                </c:pt>
-                <c:pt idx="29">
-                  <c:v>break_container:</c:v>
-                </c:pt>
-                <c:pt idx="30">
-                  <c:v>splitAt:</c:v>
-                </c:pt>
-              </c:strCache>
-            </c:strRef>
-          </c:cat>
-          <c:val>
-            <c:numRef>
-              <c:f>'N=500000'!$C$66:$C$96</c:f>
-              <c:numCache>
-                <c:formatCode>General</c:formatCode>
-                <c:ptCount val="31"/>
-                <c:pt idx="7">
-                  <c:v>42.333333333333336</c:v>
-                </c:pt>
-                <c:pt idx="8">
-                  <c:v>47</c:v>
-                </c:pt>
-                <c:pt idx="11">
-                  <c:v>198.66666666666666</c:v>
-                </c:pt>
-                <c:pt idx="12">
-                  <c:v>483</c:v>
-                </c:pt>
-                <c:pt idx="13">
-                  <c:v>225</c:v>
-                </c:pt>
-                <c:pt idx="15">
-                  <c:v>161.66666666666666</c:v>
-                </c:pt>
-              </c:numCache>
-            </c:numRef>
-          </c:val>
-        </c:ser>
-        <c:ser>
-          <c:idx val="2"/>
-          <c:order val="2"/>
-          <c:tx>
-            <c:strRef>
-              <c:f>'N=500000'!$D$65</c:f>
-              <c:strCache>
-                <c:ptCount val="1"/>
-                <c:pt idx="0">
-                  <c:v>FC++</c:v>
-                </c:pt>
-              </c:strCache>
-            </c:strRef>
-          </c:tx>
-          <c:invertIfNegative val="0"/>
-          <c:cat>
-            <c:strRef>
-              <c:f>'N=500000'!$A$66:$A$96</c:f>
-              <c:strCache>
-                <c:ptCount val="31"/>
-                <c:pt idx="0">
-                  <c:v>cons:</c:v>
-                </c:pt>
-                <c:pt idx="1">
-                  <c:v>concat2:</c:v>
-                </c:pt>
-                <c:pt idx="2">
-                  <c:v>concat1:</c:v>
-                </c:pt>
-                <c:pt idx="3">
-                  <c:v>tail:</c:v>
-                </c:pt>
-                <c:pt idx="4">
-                  <c:v>init:</c:v>
-                </c:pt>
-                <c:pt idx="5">
-                  <c:v>at:</c:v>
-                </c:pt>
-                <c:pt idx="6">
-                  <c:v>reverse:</c:v>
-                </c:pt>
-                <c:pt idx="7">
-                  <c:v>foldl:</c:v>
-                </c:pt>
-                <c:pt idx="8">
-                  <c:v>foldr:</c:v>
-                </c:pt>
-                <c:pt idx="9">
-                  <c:v>scanl:</c:v>
-                </c:pt>
-                <c:pt idx="10">
-                  <c:v>scanr:</c:v>
-                </c:pt>
-                <c:pt idx="11">
-                  <c:v>map:</c:v>
-                </c:pt>
-                <c:pt idx="12">
-                  <c:v>concatMap:</c:v>
-                </c:pt>
-                <c:pt idx="13">
-                  <c:v>zip:</c:v>
-                </c:pt>
-                <c:pt idx="14">
-                  <c:v>zip3:</c:v>
-                </c:pt>
-                <c:pt idx="15">
-                  <c:v>zipWith:</c:v>
-                </c:pt>
-                <c:pt idx="16">
-                  <c:v>zipWith3:</c:v>
-                </c:pt>
-                <c:pt idx="17">
-                  <c:v>unzip:</c:v>
-                </c:pt>
-                <c:pt idx="18">
-                  <c:v>unzip3:</c:v>
-                </c:pt>
-                <c:pt idx="19">
-                  <c:v>unlines:</c:v>
-                </c:pt>
-                <c:pt idx="20">
-                  <c:v>lines:</c:v>
-                </c:pt>
-                <c:pt idx="21">
-                  <c:v>words:</c:v>
-                </c:pt>
-                <c:pt idx="22">
-                  <c:v>unwords:</c:v>
-                </c:pt>
-                <c:pt idx="23">
-                  <c:v>filter:</c:v>
-                </c:pt>
-                <c:pt idx="24">
-                  <c:v>take:</c:v>
-                </c:pt>
-                <c:pt idx="25">
-                  <c:v>takeWhile:</c:v>
-                </c:pt>
-                <c:pt idx="26">
-                  <c:v>drop:</c:v>
-                </c:pt>
-                <c:pt idx="27">
-                  <c:v>dropWhile:</c:v>
-                </c:pt>
-                <c:pt idx="28">
-                  <c:v>span_container:</c:v>
-                </c:pt>
-                <c:pt idx="29">
-                  <c:v>break_container:</c:v>
-                </c:pt>
-                <c:pt idx="30">
-                  <c:v>splitAt:</c:v>
-                </c:pt>
-              </c:strCache>
-            </c:strRef>
-          </c:cat>
-          <c:val>
-            <c:numRef>
-              <c:f>'N=500000'!$D$66:$D$96</c:f>
-              <c:numCache>
-                <c:formatCode>General</c:formatCode>
-                <c:ptCount val="31"/>
-              </c:numCache>
-            </c:numRef>
-          </c:val>
-        </c:ser>
-        <c:ser>
-          <c:idx val="3"/>
-          <c:order val="3"/>
-          <c:tx>
-            <c:strRef>
-              <c:f>'N=500000'!$E$65</c:f>
-              <c:strCache>
-                <c:ptCount val="1"/>
-                <c:pt idx="0">
-                  <c:v>HASKEL</c:v>
-                </c:pt>
-              </c:strCache>
-            </c:strRef>
-          </c:tx>
-          <c:invertIfNegative val="0"/>
-          <c:cat>
-            <c:strRef>
-              <c:f>'N=500000'!$A$66:$A$96</c:f>
-              <c:strCache>
-                <c:ptCount val="31"/>
-                <c:pt idx="0">
-                  <c:v>cons:</c:v>
-                </c:pt>
-                <c:pt idx="1">
-                  <c:v>concat2:</c:v>
-                </c:pt>
-                <c:pt idx="2">
-                  <c:v>concat1:</c:v>
-                </c:pt>
-                <c:pt idx="3">
-                  <c:v>tail:</c:v>
-                </c:pt>
-                <c:pt idx="4">
-                  <c:v>init:</c:v>
-                </c:pt>
-                <c:pt idx="5">
-                  <c:v>at:</c:v>
-                </c:pt>
-                <c:pt idx="6">
-                  <c:v>reverse:</c:v>
-                </c:pt>
-                <c:pt idx="7">
-                  <c:v>foldl:</c:v>
-                </c:pt>
-                <c:pt idx="8">
-                  <c:v>foldr:</c:v>
-                </c:pt>
-                <c:pt idx="9">
-                  <c:v>scanl:</c:v>
-                </c:pt>
-                <c:pt idx="10">
-                  <c:v>scanr:</c:v>
-                </c:pt>
-                <c:pt idx="11">
-                  <c:v>map:</c:v>
-                </c:pt>
-                <c:pt idx="12">
-                  <c:v>concatMap:</c:v>
-                </c:pt>
-                <c:pt idx="13">
-                  <c:v>zip:</c:v>
-                </c:pt>
-                <c:pt idx="14">
-                  <c:v>zip3:</c:v>
-                </c:pt>
-                <c:pt idx="15">
-                  <c:v>zipWith:</c:v>
-                </c:pt>
-                <c:pt idx="16">
-                  <c:v>zipWith3:</c:v>
-                </c:pt>
-                <c:pt idx="17">
-                  <c:v>unzip:</c:v>
-                </c:pt>
-                <c:pt idx="18">
-                  <c:v>unzip3:</c:v>
-                </c:pt>
-                <c:pt idx="19">
-                  <c:v>unlines:</c:v>
-                </c:pt>
-                <c:pt idx="20">
-                  <c:v>lines:</c:v>
-                </c:pt>
-                <c:pt idx="21">
-                  <c:v>words:</c:v>
-                </c:pt>
-                <c:pt idx="22">
-                  <c:v>unwords:</c:v>
-                </c:pt>
-                <c:pt idx="23">
-                  <c:v>filter:</c:v>
-                </c:pt>
-                <c:pt idx="24">
-                  <c:v>take:</c:v>
-                </c:pt>
-                <c:pt idx="25">
-                  <c:v>takeWhile:</c:v>
-                </c:pt>
-                <c:pt idx="26">
-                  <c:v>drop:</c:v>
-                </c:pt>
-                <c:pt idx="27">
-                  <c:v>dropWhile:</c:v>
-                </c:pt>
-                <c:pt idx="28">
-                  <c:v>span_container:</c:v>
-                </c:pt>
-                <c:pt idx="29">
-                  <c:v>break_container:</c:v>
-                </c:pt>
-                <c:pt idx="30">
-                  <c:v>splitAt:</c:v>
-                </c:pt>
-              </c:strCache>
-            </c:strRef>
-          </c:cat>
-          <c:val>
-            <c:numRef>
-              <c:f>'N=500000'!$E$66:$E$96</c:f>
-              <c:numCache>
-                <c:formatCode>_-* #,##0.000_-;\-* #,##0.000_-;_-* "-"??_-;_-@_-</c:formatCode>
-                <c:ptCount val="31"/>
-                <c:pt idx="0">
-                  <c:v>1E-3</c:v>
-                </c:pt>
-                <c:pt idx="1">
-                  <c:v>1.3333333333333333E-3</c:v>
-                </c:pt>
-                <c:pt idx="2">
-                  <c:v>4.6666666666666662E-3</c:v>
-                </c:pt>
-                <c:pt idx="3">
-                  <c:v>1.6666666666666668E-3</c:v>
-                </c:pt>
-                <c:pt idx="4">
-                  <c:v>1.3333333333333333E-3</c:v>
-                </c:pt>
-                <c:pt idx="5">
-                  <c:v>25617.263333333332</c:v>
-                </c:pt>
-                <c:pt idx="6">
-                  <c:v>58803.333333333336</c:v>
-                </c:pt>
-                <c:pt idx="7">
-                  <c:v>366012.33333333331</c:v>
-                </c:pt>
-                <c:pt idx="8">
-                  <c:v>302860.66666666669</c:v>
-                </c:pt>
-                <c:pt idx="9">
-                  <c:v>1E-3</c:v>
-                </c:pt>
-                <c:pt idx="10">
-                  <c:v>2.3333333333333335E-3</c:v>
-                </c:pt>
-                <c:pt idx="11">
-                  <c:v>4.0000000000000001E-3</c:v>
-                </c:pt>
-                <c:pt idx="12">
-                  <c:v>2E-3</c:v>
-                </c:pt>
-                <c:pt idx="13">
-                  <c:v>2.3333333333333335E-3</c:v>
-                </c:pt>
-                <c:pt idx="14">
-                  <c:v>2E-3</c:v>
-                </c:pt>
-                <c:pt idx="15">
-                  <c:v>1.6666666666666668E-3</c:v>
-                </c:pt>
-                <c:pt idx="16">
-                  <c:v>9.3333333333333341E-3</c:v>
-                </c:pt>
-                <c:pt idx="17">
-                  <c:v>1.6666666666666668E-3</c:v>
-                </c:pt>
-                <c:pt idx="18">
-                  <c:v>1.3333333333333333E-3</c:v>
-                </c:pt>
-                <c:pt idx="19">
-                  <c:v>1.3333333333333333E-3</c:v>
-                </c:pt>
-                <c:pt idx="20">
-                  <c:v>5.3333333333333332E-3</c:v>
-                </c:pt>
-                <c:pt idx="21">
-                  <c:v>1838.8500000000001</c:v>
-                </c:pt>
-                <c:pt idx="22">
-                  <c:v>1.6666666666666668E-3</c:v>
-                </c:pt>
-                <c:pt idx="23">
-                  <c:v>4.6666666666666671E-3</c:v>
-                </c:pt>
-                <c:pt idx="24">
-                  <c:v>1.6666666666666668E-3</c:v>
-                </c:pt>
-                <c:pt idx="25">
-                  <c:v>1.3333333333333333E-3</c:v>
-                </c:pt>
-                <c:pt idx="26">
-                  <c:v>0.61066666666666669</c:v>
-                </c:pt>
-                <c:pt idx="27">
-                  <c:v>1E-3</c:v>
-                </c:pt>
-                <c:pt idx="28">
-                  <c:v>2.3333333333333335E-3</c:v>
-                </c:pt>
-                <c:pt idx="29">
-                  <c:v>3.3333333333333335E-3</c:v>
-                </c:pt>
-                <c:pt idx="30">
-                  <c:v>39222.333333333336</c:v>
-                </c:pt>
-              </c:numCache>
-            </c:numRef>
-          </c:val>
-        </c:ser>
-        <c:ser>
-          <c:idx val="4"/>
-          <c:order val="4"/>
-          <c:tx>
-            <c:strRef>
-              <c:f>'N=500000'!$F$65</c:f>
-              <c:strCache>
-                <c:ptCount val="1"/>
-                <c:pt idx="0">
-                  <c:v>PYTHON</c:v>
-                </c:pt>
-              </c:strCache>
-            </c:strRef>
-          </c:tx>
-          <c:invertIfNegative val="0"/>
-          <c:cat>
-            <c:strRef>
-              <c:f>'N=500000'!$A$66:$A$96</c:f>
-              <c:strCache>
-                <c:ptCount val="31"/>
-                <c:pt idx="0">
-                  <c:v>cons:</c:v>
-                </c:pt>
-                <c:pt idx="1">
-                  <c:v>concat2:</c:v>
-                </c:pt>
-                <c:pt idx="2">
-                  <c:v>concat1:</c:v>
-                </c:pt>
-                <c:pt idx="3">
-                  <c:v>tail:</c:v>
-                </c:pt>
-                <c:pt idx="4">
-                  <c:v>init:</c:v>
-                </c:pt>
-                <c:pt idx="5">
-                  <c:v>at:</c:v>
-                </c:pt>
-                <c:pt idx="6">
-                  <c:v>reverse:</c:v>
-                </c:pt>
-                <c:pt idx="7">
-                  <c:v>foldl:</c:v>
-                </c:pt>
-                <c:pt idx="8">
-                  <c:v>foldr:</c:v>
-                </c:pt>
-                <c:pt idx="9">
-                  <c:v>scanl:</c:v>
-                </c:pt>
-                <c:pt idx="10">
-                  <c:v>scanr:</c:v>
-                </c:pt>
-                <c:pt idx="11">
-                  <c:v>map:</c:v>
-                </c:pt>
-                <c:pt idx="12">
-                  <c:v>concatMap:</c:v>
-                </c:pt>
-                <c:pt idx="13">
-                  <c:v>zip:</c:v>
-                </c:pt>
-                <c:pt idx="14">
-                  <c:v>zip3:</c:v>
-                </c:pt>
-                <c:pt idx="15">
-                  <c:v>zipWith:</c:v>
-                </c:pt>
-                <c:pt idx="16">
-                  <c:v>zipWith3:</c:v>
-                </c:pt>
-                <c:pt idx="17">
-                  <c:v>unzip:</c:v>
-                </c:pt>
-                <c:pt idx="18">
-                  <c:v>unzip3:</c:v>
-                </c:pt>
-                <c:pt idx="19">
-                  <c:v>unlines:</c:v>
-                </c:pt>
-                <c:pt idx="20">
-                  <c:v>lines:</c:v>
-                </c:pt>
-                <c:pt idx="21">
-                  <c:v>words:</c:v>
-                </c:pt>
-                <c:pt idx="22">
-                  <c:v>unwords:</c:v>
-                </c:pt>
-                <c:pt idx="23">
-                  <c:v>filter:</c:v>
-                </c:pt>
-                <c:pt idx="24">
-                  <c:v>take:</c:v>
-                </c:pt>
-                <c:pt idx="25">
-                  <c:v>takeWhile:</c:v>
-                </c:pt>
-                <c:pt idx="26">
-                  <c:v>drop:</c:v>
-                </c:pt>
-                <c:pt idx="27">
-                  <c:v>dropWhile:</c:v>
-                </c:pt>
-                <c:pt idx="28">
-                  <c:v>span_container:</c:v>
-                </c:pt>
-                <c:pt idx="29">
-                  <c:v>break_container:</c:v>
-                </c:pt>
-                <c:pt idx="30">
-                  <c:v>splitAt:</c:v>
-                </c:pt>
-              </c:strCache>
-            </c:strRef>
-          </c:cat>
-          <c:val>
-            <c:numRef>
-              <c:f>'N=500000'!$F$66:$F$96</c:f>
-              <c:numCache>
-                <c:formatCode>0.0</c:formatCode>
-                <c:ptCount val="31"/>
-                <c:pt idx="0">
-                  <c:v>6.5789999999998869</c:v>
-                </c:pt>
-                <c:pt idx="1">
-                  <c:v>15.709000000000168</c:v>
-                </c:pt>
-                <c:pt idx="3">
-                  <c:v>6.2330000000000778</c:v>
-                </c:pt>
-                <c:pt idx="4">
-                  <c:v>5.3953333333332631</c:v>
-                </c:pt>
-                <c:pt idx="5">
-                  <c:v>9.9999999999174339E-4</c:v>
-                </c:pt>
-                <c:pt idx="6">
-                  <c:v>5.73600000000003</c:v>
-                </c:pt>
-                <c:pt idx="7">
-                  <c:v>80.488333333333372</c:v>
-                </c:pt>
-                <c:pt idx="11">
-                  <c:v>6.6666666646379203E-4</c:v>
-                </c:pt>
-                <c:pt idx="13">
-                  <c:v>1.3333333330756119E-3</c:v>
-                </c:pt>
-                <c:pt idx="14">
-                  <c:v>6.6666666646379203E-4</c:v>
-                </c:pt>
-                <c:pt idx="15">
-                  <c:v>201.25299999999967</c:v>
-                </c:pt>
-                <c:pt idx="16">
-                  <c:v>365.255333333333</c:v>
-                </c:pt>
-                <c:pt idx="17">
-                  <c:v>223.286333333333</c:v>
-                </c:pt>
-                <c:pt idx="18">
-                  <c:v>3.3333333337992333E-4</c:v>
-                </c:pt>
-                <c:pt idx="19">
-                  <c:v>18.484666666666666</c:v>
-                </c:pt>
-                <c:pt idx="20">
-                  <c:v>64.176333333333432</c:v>
-                </c:pt>
-                <c:pt idx="21">
-                  <c:v>0.66333333333368205</c:v>
-                </c:pt>
-                <c:pt idx="22">
-                  <c:v>13.4140000000003</c:v>
-                </c:pt>
-                <c:pt idx="23">
-                  <c:v>0</c:v>
-                </c:pt>
-                <c:pt idx="24">
-                  <c:v>8.0666666667283934E-2</c:v>
-                </c:pt>
-                <c:pt idx="25">
-                  <c:v>3.3333333337992333E-4</c:v>
-                </c:pt>
-                <c:pt idx="26">
-                  <c:v>5.3429999999998694</c:v>
-                </c:pt>
-                <c:pt idx="27">
-                  <c:v>1.0000000004358335E-3</c:v>
-                </c:pt>
-                <c:pt idx="28">
-                  <c:v>6.6666666646378965E-4</c:v>
-                </c:pt>
-                <c:pt idx="29" formatCode="0.00">
-                  <c:v>1.6666666663075031E-3</c:v>
-                </c:pt>
-                <c:pt idx="30">
-                  <c:v>6.0106666666666024</c:v>
-                </c:pt>
-              </c:numCache>
-            </c:numRef>
-          </c:val>
-        </c:ser>
-        <c:dLbls>
-          <c:showLegendKey val="0"/>
-          <c:showVal val="0"/>
-          <c:showCatName val="0"/>
-          <c:showSerName val="0"/>
-          <c:showPercent val="0"/>
-          <c:showBubbleSize val="0"/>
-        </c:dLbls>
-        <c:gapWidth val="150"/>
-        <c:axId val="446204408"/>
-        <c:axId val="370536640"/>
-      </c:barChart>
-      <c:catAx>
-        <c:axId val="446204408"/>
-        <c:scaling>
-          <c:orientation val="minMax"/>
-        </c:scaling>
-        <c:delete val="0"/>
-        <c:axPos val="b"/>
-        <c:numFmt formatCode="General" sourceLinked="0"/>
-        <c:majorTickMark val="none"/>
-        <c:minorTickMark val="none"/>
-        <c:tickLblPos val="nextTo"/>
-        <c:crossAx val="370536640"/>
-        <c:crossesAt val="0"/>
-        <c:auto val="1"/>
-        <c:lblAlgn val="ctr"/>
-        <c:lblOffset val="100"/>
-        <c:noMultiLvlLbl val="0"/>
-      </c:catAx>
-      <c:valAx>
-        <c:axId val="370536640"/>
-        <c:scaling>
-          <c:logBase val="10"/>
-          <c:orientation val="minMax"/>
-        </c:scaling>
-        <c:delete val="0"/>
-        <c:axPos val="l"/>
-        <c:majorGridlines/>
-        <c:numFmt formatCode="0.0" sourceLinked="1"/>
-        <c:majorTickMark val="none"/>
-        <c:minorTickMark val="none"/>
-        <c:tickLblPos val="nextTo"/>
-        <c:crossAx val="446204408"/>
-        <c:crosses val="autoZero"/>
-        <c:crossBetween val="between"/>
-      </c:valAx>
-    </c:plotArea>
-    <c:legend>
-      <c:legendPos val="b"/>
-      <c:layout/>
-      <c:overlay val="0"/>
-    </c:legend>
-    <c:plotVisOnly val="1"/>
-    <c:dispBlanksAs val="gap"/>
-    <c:showDLblsOverMax val="0"/>
-  </c:chart>
-  <c:externalData r:id="rId1">
-    <c:autoUpdate val="0"/>
-  </c:externalData>
-</c:chartSpace>
-</file>
-
-<file path=ppt/charts/chart4.xml><?xml version="1.0" encoding="utf-8"?>
-<c:chartSpace xmlns:c="http://schemas.openxmlformats.org/drawingml/2006/chart" xmlns:a="http://schemas.openxmlformats.org/drawingml/2006/main" xmlns:r="http://schemas.openxmlformats.org/officeDocument/2006/relationships">
-  <c:date1904 val="0"/>
-  <c:lang val="en-US"/>
-  <c:roundedCorners val="0"/>
-  <mc:AlternateContent xmlns:mc="http://schemas.openxmlformats.org/markup-compatibility/2006">
-    <mc:Choice xmlns:c14="http://schemas.microsoft.com/office/drawing/2007/8/2/chart" Requires="c14">
-      <c14:style val="118"/>
-    </mc:Choice>
-    <mc:Fallback>
-      <c:style val="18"/>
-    </mc:Fallback>
-  </mc:AlternateContent>
-  <c:chart>
-    <c:title>
-      <c:tx>
-        <c:rich>
-          <a:bodyPr/>
-          <a:lstStyle/>
-          <a:p>
-            <a:pPr>
-              <a:defRPr/>
-            </a:pPr>
-            <a:r>
-              <a:rPr lang="en-US"/>
-              <a:t>Husky</a:t>
-            </a:r>
-            <a:r>
-              <a:rPr lang="en-US" baseline="0"/>
-              <a:t> vs FC++ integers  100,000 units</a:t>
-            </a:r>
-            <a:endParaRPr lang="en-US"/>
-          </a:p>
-        </c:rich>
-      </c:tx>
-      <c:layout/>
-      <c:overlay val="0"/>
-    </c:title>
-    <c:autoTitleDeleted val="0"/>
-    <c:plotArea>
-      <c:layout/>
-      <c:barChart>
-        <c:barDir val="col"/>
-        <c:grouping val="clustered"/>
-        <c:varyColors val="0"/>
-        <c:ser>
-          <c:idx val="0"/>
-          <c:order val="0"/>
-          <c:tx>
-            <c:strRef>
-              <c:f>'FC++ 100000'!$B$3</c:f>
-              <c:strCache>
-                <c:ptCount val="1"/>
-                <c:pt idx="0">
-                  <c:v>HUSKY</c:v>
-                </c:pt>
-              </c:strCache>
-            </c:strRef>
-          </c:tx>
-          <c:invertIfNegative val="0"/>
-          <c:cat>
-            <c:strRef>
-              <c:f>'FC++ 100000'!$A$4:$A$30</c:f>
-              <c:strCache>
-                <c:ptCount val="27"/>
-                <c:pt idx="0">
-                  <c:v>cons:</c:v>
-                </c:pt>
-                <c:pt idx="1">
-                  <c:v>concat2:</c:v>
-                </c:pt>
-                <c:pt idx="2">
-                  <c:v>concat1:</c:v>
-                </c:pt>
-                <c:pt idx="3">
-                  <c:v>tail:</c:v>
-                </c:pt>
-                <c:pt idx="4">
-                  <c:v>init:</c:v>
-                </c:pt>
-                <c:pt idx="5">
-                  <c:v>at:</c:v>
-                </c:pt>
-                <c:pt idx="6">
-                  <c:v>reverse:</c:v>
-                </c:pt>
-                <c:pt idx="7">
-                  <c:v>foldl:</c:v>
-                </c:pt>
-                <c:pt idx="8">
-                  <c:v>foldr:</c:v>
-                </c:pt>
-                <c:pt idx="9">
-                  <c:v>scanl:</c:v>
-                </c:pt>
-                <c:pt idx="10">
-                  <c:v>scanr:</c:v>
-                </c:pt>
-                <c:pt idx="11">
-                  <c:v>map:</c:v>
-                </c:pt>
-                <c:pt idx="12">
-                  <c:v>concatMap:</c:v>
-                </c:pt>
-                <c:pt idx="13">
-                  <c:v>zip:</c:v>
-                </c:pt>
-                <c:pt idx="14">
-                  <c:v>zip3:</c:v>
-                </c:pt>
-                <c:pt idx="15">
-                  <c:v>zipWith:</c:v>
-                </c:pt>
-                <c:pt idx="16">
-                  <c:v>zipWith3:</c:v>
-                </c:pt>
-                <c:pt idx="17">
-                  <c:v>unzip:</c:v>
-                </c:pt>
-                <c:pt idx="18">
-                  <c:v>unzip3:</c:v>
-                </c:pt>
-                <c:pt idx="19">
-                  <c:v>filter:</c:v>
-                </c:pt>
-                <c:pt idx="20">
-                  <c:v>take:</c:v>
-                </c:pt>
-                <c:pt idx="21">
-                  <c:v>takeWhile:</c:v>
-                </c:pt>
-                <c:pt idx="22">
-                  <c:v>drop:</c:v>
-                </c:pt>
-                <c:pt idx="23">
-                  <c:v>dropWhile:</c:v>
-                </c:pt>
-                <c:pt idx="24">
-                  <c:v>span_container:</c:v>
-                </c:pt>
-                <c:pt idx="25">
-                  <c:v>break_container:</c:v>
-                </c:pt>
-                <c:pt idx="26">
-                  <c:v>splitAt:</c:v>
-                </c:pt>
-              </c:strCache>
-            </c:strRef>
-          </c:cat>
-          <c:val>
-            <c:numRef>
-              <c:f>'FC++ 100000'!$B$4:$B$30</c:f>
-              <c:numCache>
-                <c:formatCode>0.0</c:formatCode>
-                <c:ptCount val="27"/>
-                <c:pt idx="0">
-                  <c:v>2.1000000000000001E-2</c:v>
-                </c:pt>
-                <c:pt idx="1">
-                  <c:v>3</c:v>
-                </c:pt>
-                <c:pt idx="2">
-                  <c:v>7</c:v>
-                </c:pt>
-                <c:pt idx="3">
-                  <c:v>2.1000000000000001E-2</c:v>
-                </c:pt>
-                <c:pt idx="4">
-                  <c:v>2.1000000000000001E-2</c:v>
-                </c:pt>
-                <c:pt idx="5">
-                  <c:v>1</c:v>
-                </c:pt>
-                <c:pt idx="6">
-                  <c:v>7</c:v>
-                </c:pt>
-                <c:pt idx="7">
-                  <c:v>1</c:v>
-                </c:pt>
-                <c:pt idx="8">
-                  <c:v>4</c:v>
-                </c:pt>
-                <c:pt idx="9">
-                  <c:v>3</c:v>
-                </c:pt>
-                <c:pt idx="10">
-                  <c:v>13</c:v>
-                </c:pt>
-                <c:pt idx="11">
-                  <c:v>3</c:v>
-                </c:pt>
-                <c:pt idx="12">
-                  <c:v>92</c:v>
-                </c:pt>
-                <c:pt idx="13">
-                  <c:v>6</c:v>
-                </c:pt>
-                <c:pt idx="14">
-                  <c:v>17</c:v>
-                </c:pt>
-                <c:pt idx="15">
-                  <c:v>3</c:v>
-                </c:pt>
-                <c:pt idx="16">
-                  <c:v>3</c:v>
-                </c:pt>
-                <c:pt idx="17">
-                  <c:v>5</c:v>
-                </c:pt>
-                <c:pt idx="18">
-                  <c:v>10</c:v>
-                </c:pt>
-                <c:pt idx="19">
-                  <c:v>3</c:v>
-                </c:pt>
-                <c:pt idx="20">
-                  <c:v>1</c:v>
-                </c:pt>
-                <c:pt idx="21">
-                  <c:v>4</c:v>
-                </c:pt>
-                <c:pt idx="22">
-                  <c:v>4</c:v>
-                </c:pt>
-                <c:pt idx="23">
-                  <c:v>3</c:v>
-                </c:pt>
-                <c:pt idx="24">
-                  <c:v>3</c:v>
-                </c:pt>
-                <c:pt idx="25">
-                  <c:v>4</c:v>
-                </c:pt>
-                <c:pt idx="26">
-                  <c:v>4</c:v>
-                </c:pt>
-              </c:numCache>
-            </c:numRef>
-          </c:val>
-        </c:ser>
-        <c:ser>
-          <c:idx val="1"/>
-          <c:order val="1"/>
-          <c:tx>
-            <c:strRef>
-              <c:f>'FC++ 100000'!$C$3</c:f>
-              <c:strCache>
-                <c:ptCount val="1"/>
-                <c:pt idx="0">
-                  <c:v>FC++ Exec Time</c:v>
-                </c:pt>
-              </c:strCache>
-            </c:strRef>
-          </c:tx>
-          <c:invertIfNegative val="0"/>
-          <c:cat>
-            <c:strRef>
-              <c:f>'FC++ 100000'!$A$4:$A$30</c:f>
-              <c:strCache>
-                <c:ptCount val="27"/>
-                <c:pt idx="0">
-                  <c:v>cons:</c:v>
-                </c:pt>
-                <c:pt idx="1">
-                  <c:v>concat2:</c:v>
-                </c:pt>
-                <c:pt idx="2">
-                  <c:v>concat1:</c:v>
-                </c:pt>
-                <c:pt idx="3">
-                  <c:v>tail:</c:v>
-                </c:pt>
-                <c:pt idx="4">
-                  <c:v>init:</c:v>
-                </c:pt>
-                <c:pt idx="5">
-                  <c:v>at:</c:v>
-                </c:pt>
-                <c:pt idx="6">
-                  <c:v>reverse:</c:v>
-                </c:pt>
-                <c:pt idx="7">
-                  <c:v>foldl:</c:v>
-                </c:pt>
-                <c:pt idx="8">
-                  <c:v>foldr:</c:v>
-                </c:pt>
-                <c:pt idx="9">
-                  <c:v>scanl:</c:v>
-                </c:pt>
-                <c:pt idx="10">
-                  <c:v>scanr:</c:v>
-                </c:pt>
-                <c:pt idx="11">
-                  <c:v>map:</c:v>
-                </c:pt>
-                <c:pt idx="12">
-                  <c:v>concatMap:</c:v>
-                </c:pt>
-                <c:pt idx="13">
-                  <c:v>zip:</c:v>
-                </c:pt>
-                <c:pt idx="14">
-                  <c:v>zip3:</c:v>
-                </c:pt>
-                <c:pt idx="15">
-                  <c:v>zipWith:</c:v>
-                </c:pt>
-                <c:pt idx="16">
-                  <c:v>zipWith3:</c:v>
-                </c:pt>
-                <c:pt idx="17">
-                  <c:v>unzip:</c:v>
-                </c:pt>
-                <c:pt idx="18">
-                  <c:v>unzip3:</c:v>
-                </c:pt>
-                <c:pt idx="19">
-                  <c:v>filter:</c:v>
-                </c:pt>
-                <c:pt idx="20">
-                  <c:v>take:</c:v>
-                </c:pt>
-                <c:pt idx="21">
-                  <c:v>takeWhile:</c:v>
-                </c:pt>
-                <c:pt idx="22">
-                  <c:v>drop:</c:v>
-                </c:pt>
-                <c:pt idx="23">
-                  <c:v>dropWhile:</c:v>
-                </c:pt>
-                <c:pt idx="24">
-                  <c:v>span_container:</c:v>
-                </c:pt>
-                <c:pt idx="25">
-                  <c:v>break_container:</c:v>
-                </c:pt>
-                <c:pt idx="26">
-                  <c:v>splitAt:</c:v>
-                </c:pt>
-              </c:strCache>
-            </c:strRef>
-          </c:cat>
-          <c:val>
-            <c:numRef>
-              <c:f>'FC++ 100000'!$C$4:$C$30</c:f>
-              <c:numCache>
-                <c:formatCode>General</c:formatCode>
-                <c:ptCount val="27"/>
-                <c:pt idx="0">
-                  <c:v>297497</c:v>
-                </c:pt>
-                <c:pt idx="1">
-                  <c:v>582293</c:v>
-                </c:pt>
-                <c:pt idx="2">
-                  <c:v>888153</c:v>
-                </c:pt>
-                <c:pt idx="3">
-                  <c:v>293652</c:v>
-                </c:pt>
-                <c:pt idx="4">
-                  <c:v>290040</c:v>
-                </c:pt>
-                <c:pt idx="5">
-                  <c:v>581194</c:v>
-                </c:pt>
-                <c:pt idx="6">
-                  <c:v>287335</c:v>
-                </c:pt>
-                <c:pt idx="7">
-                  <c:v>445169</c:v>
-                </c:pt>
-                <c:pt idx="8">
-                  <c:v>1000000</c:v>
-                </c:pt>
-                <c:pt idx="11">
-                  <c:v>50657</c:v>
-                </c:pt>
-                <c:pt idx="13">
-                  <c:v>578743</c:v>
-                </c:pt>
-                <c:pt idx="19">
-                  <c:v>575353</c:v>
-                </c:pt>
-                <c:pt idx="20">
-                  <c:v>572250</c:v>
-                </c:pt>
-                <c:pt idx="22">
-                  <c:v>595489</c:v>
-                </c:pt>
-                <c:pt idx="26">
-                  <c:v>1000000</c:v>
-                </c:pt>
-              </c:numCache>
-            </c:numRef>
-          </c:val>
-        </c:ser>
-        <c:ser>
-          <c:idx val="2"/>
-          <c:order val="2"/>
-          <c:tx>
-            <c:strRef>
-              <c:f>'FC++ 100000'!$D$3</c:f>
-              <c:strCache>
-                <c:ptCount val="1"/>
-                <c:pt idx="0">
-                  <c:v>FC++ Func Time</c:v>
-                </c:pt>
-              </c:strCache>
-            </c:strRef>
-          </c:tx>
-          <c:invertIfNegative val="0"/>
-          <c:cat>
-            <c:strRef>
-              <c:f>'FC++ 100000'!$A$4:$A$30</c:f>
-              <c:strCache>
-                <c:ptCount val="27"/>
-                <c:pt idx="0">
-                  <c:v>cons:</c:v>
-                </c:pt>
-                <c:pt idx="1">
-                  <c:v>concat2:</c:v>
-                </c:pt>
-                <c:pt idx="2">
-                  <c:v>concat1:</c:v>
-                </c:pt>
-                <c:pt idx="3">
-                  <c:v>tail:</c:v>
-                </c:pt>
-                <c:pt idx="4">
-                  <c:v>init:</c:v>
-                </c:pt>
-                <c:pt idx="5">
-                  <c:v>at:</c:v>
-                </c:pt>
-                <c:pt idx="6">
-                  <c:v>reverse:</c:v>
-                </c:pt>
-                <c:pt idx="7">
-                  <c:v>foldl:</c:v>
-                </c:pt>
-                <c:pt idx="8">
-                  <c:v>foldr:</c:v>
-                </c:pt>
-                <c:pt idx="9">
-                  <c:v>scanl:</c:v>
-                </c:pt>
-                <c:pt idx="10">
-                  <c:v>scanr:</c:v>
-                </c:pt>
-                <c:pt idx="11">
-                  <c:v>map:</c:v>
-                </c:pt>
-                <c:pt idx="12">
-                  <c:v>concatMap:</c:v>
-                </c:pt>
-                <c:pt idx="13">
-                  <c:v>zip:</c:v>
-                </c:pt>
-                <c:pt idx="14">
-                  <c:v>zip3:</c:v>
-                </c:pt>
-                <c:pt idx="15">
-                  <c:v>zipWith:</c:v>
-                </c:pt>
-                <c:pt idx="16">
-                  <c:v>zipWith3:</c:v>
-                </c:pt>
-                <c:pt idx="17">
-                  <c:v>unzip:</c:v>
-                </c:pt>
-                <c:pt idx="18">
-                  <c:v>unzip3:</c:v>
-                </c:pt>
-                <c:pt idx="19">
-                  <c:v>filter:</c:v>
-                </c:pt>
-                <c:pt idx="20">
-                  <c:v>take:</c:v>
-                </c:pt>
-                <c:pt idx="21">
-                  <c:v>takeWhile:</c:v>
-                </c:pt>
-                <c:pt idx="22">
-                  <c:v>drop:</c:v>
-                </c:pt>
-                <c:pt idx="23">
-                  <c:v>dropWhile:</c:v>
-                </c:pt>
-                <c:pt idx="24">
-                  <c:v>span_container:</c:v>
-                </c:pt>
-                <c:pt idx="25">
-                  <c:v>break_container:</c:v>
-                </c:pt>
-                <c:pt idx="26">
-                  <c:v>splitAt:</c:v>
-                </c:pt>
-              </c:strCache>
-            </c:strRef>
-          </c:cat>
-          <c:val>
-            <c:numRef>
-              <c:f>'FC++ 100000'!$D$4:$D$30</c:f>
-              <c:numCache>
-                <c:formatCode>General</c:formatCode>
-                <c:ptCount val="27"/>
-                <c:pt idx="0">
-                  <c:v>3</c:v>
-                </c:pt>
-                <c:pt idx="1">
-                  <c:v>10</c:v>
-                </c:pt>
-                <c:pt idx="2">
-                  <c:v>9</c:v>
-                </c:pt>
-                <c:pt idx="3">
-                  <c:v>2</c:v>
-                </c:pt>
-                <c:pt idx="4">
-                  <c:v>8</c:v>
-                </c:pt>
-                <c:pt idx="5">
-                  <c:v>292030</c:v>
-                </c:pt>
-                <c:pt idx="6">
-                  <c:v>15</c:v>
-                </c:pt>
-                <c:pt idx="7">
-                  <c:v>154705</c:v>
-                </c:pt>
-                <c:pt idx="11">
-                  <c:v>1</c:v>
-                </c:pt>
-                <c:pt idx="13">
-                  <c:v>7</c:v>
-                </c:pt>
-                <c:pt idx="19">
-                  <c:v>7</c:v>
-                </c:pt>
-                <c:pt idx="20">
-                  <c:v>7</c:v>
-                </c:pt>
-                <c:pt idx="22">
-                  <c:v>28018</c:v>
-                </c:pt>
-              </c:numCache>
-            </c:numRef>
-          </c:val>
-        </c:ser>
-        <c:dLbls>
-          <c:showLegendKey val="0"/>
-          <c:showVal val="0"/>
-          <c:showCatName val="0"/>
-          <c:showSerName val="0"/>
-          <c:showPercent val="0"/>
-          <c:showBubbleSize val="0"/>
-        </c:dLbls>
-        <c:gapWidth val="150"/>
-        <c:axId val="438076864"/>
-        <c:axId val="370535072"/>
-      </c:barChart>
-      <c:catAx>
-        <c:axId val="438076864"/>
-        <c:scaling>
-          <c:orientation val="minMax"/>
-        </c:scaling>
-        <c:delete val="0"/>
-        <c:axPos val="b"/>
-        <c:numFmt formatCode="General" sourceLinked="0"/>
-        <c:majorTickMark val="none"/>
-        <c:minorTickMark val="none"/>
-        <c:tickLblPos val="nextTo"/>
-        <c:crossAx val="370535072"/>
-        <c:crossesAt val="0"/>
-        <c:auto val="1"/>
-        <c:lblAlgn val="ctr"/>
-        <c:lblOffset val="100"/>
-        <c:noMultiLvlLbl val="0"/>
-      </c:catAx>
-      <c:valAx>
-        <c:axId val="370535072"/>
-        <c:scaling>
-          <c:logBase val="10"/>
-          <c:orientation val="minMax"/>
-          <c:min val="0.01"/>
-        </c:scaling>
-        <c:delete val="0"/>
-        <c:axPos val="l"/>
-        <c:majorGridlines/>
-        <c:numFmt formatCode="0.0" sourceLinked="1"/>
-        <c:majorTickMark val="none"/>
-        <c:minorTickMark val="none"/>
-        <c:tickLblPos val="nextTo"/>
-        <c:crossAx val="438076864"/>
-        <c:crosses val="autoZero"/>
-        <c:crossBetween val="between"/>
-      </c:valAx>
-    </c:plotArea>
-    <c:legend>
-      <c:legendPos val="b"/>
-      <c:layout/>
-      <c:overlay val="0"/>
-    </c:legend>
-    <c:plotVisOnly val="1"/>
-    <c:dispBlanksAs val="gap"/>
-    <c:showDLblsOverMax val="0"/>
-  </c:chart>
-  <c:externalData r:id="rId1">
-    <c:autoUpdate val="0"/>
-  </c:externalData>
-</c:chartSpace>
 </file>
 
 <file path=ppt/comments/comment1.xml><?xml version="1.0" encoding="utf-8"?>
@@ -3665,7 +257,7 @@
           <a:p>
             <a:fld id="{FA3D8661-C235-4534-AEDA-34DF9893221B}" type="datetimeFigureOut">
               <a:rPr lang="en-US" smtClean="0"/>
-              <a:t>4/29/2015</a:t>
+              <a:t>4/30/15</a:t>
             </a:fld>
             <a:endParaRPr lang="en-US"/>
           </a:p>
@@ -6881,7 +3473,7 @@
           <a:p>
             <a:fld id="{6D6DAAF7-B544-4EA4-A03C-3CDDF8176ACB}" type="datetimeFigureOut">
               <a:rPr lang="en-US" smtClean="0"/>
-              <a:t>4/29/2015</a:t>
+              <a:t>4/30/15</a:t>
             </a:fld>
             <a:endParaRPr lang="en-US"/>
           </a:p>
@@ -7051,7 +3643,7 @@
           <a:p>
             <a:fld id="{6D6DAAF7-B544-4EA4-A03C-3CDDF8176ACB}" type="datetimeFigureOut">
               <a:rPr lang="en-US" smtClean="0"/>
-              <a:t>4/29/2015</a:t>
+              <a:t>4/30/15</a:t>
             </a:fld>
             <a:endParaRPr lang="en-US"/>
           </a:p>
@@ -7231,7 +3823,7 @@
           <a:p>
             <a:fld id="{6D6DAAF7-B544-4EA4-A03C-3CDDF8176ACB}" type="datetimeFigureOut">
               <a:rPr lang="en-US" smtClean="0"/>
-              <a:t>4/29/2015</a:t>
+              <a:t>4/30/15</a:t>
             </a:fld>
             <a:endParaRPr lang="en-US"/>
           </a:p>
@@ -7401,7 +3993,7 @@
           <a:p>
             <a:fld id="{6D6DAAF7-B544-4EA4-A03C-3CDDF8176ACB}" type="datetimeFigureOut">
               <a:rPr lang="en-US" smtClean="0"/>
-              <a:t>4/29/2015</a:t>
+              <a:t>4/30/15</a:t>
             </a:fld>
             <a:endParaRPr lang="en-US"/>
           </a:p>
@@ -7647,7 +4239,7 @@
           <a:p>
             <a:fld id="{6D6DAAF7-B544-4EA4-A03C-3CDDF8176ACB}" type="datetimeFigureOut">
               <a:rPr lang="en-US" smtClean="0"/>
-              <a:t>4/29/2015</a:t>
+              <a:t>4/30/15</a:t>
             </a:fld>
             <a:endParaRPr lang="en-US"/>
           </a:p>
@@ -7879,7 +4471,7 @@
           <a:p>
             <a:fld id="{6D6DAAF7-B544-4EA4-A03C-3CDDF8176ACB}" type="datetimeFigureOut">
               <a:rPr lang="en-US" smtClean="0"/>
-              <a:t>4/29/2015</a:t>
+              <a:t>4/30/15</a:t>
             </a:fld>
             <a:endParaRPr lang="en-US"/>
           </a:p>
@@ -8246,7 +4838,7 @@
           <a:p>
             <a:fld id="{6D6DAAF7-B544-4EA4-A03C-3CDDF8176ACB}" type="datetimeFigureOut">
               <a:rPr lang="en-US" smtClean="0"/>
-              <a:t>4/29/2015</a:t>
+              <a:t>4/30/15</a:t>
             </a:fld>
             <a:endParaRPr lang="en-US"/>
           </a:p>
@@ -8364,7 +4956,7 @@
           <a:p>
             <a:fld id="{6D6DAAF7-B544-4EA4-A03C-3CDDF8176ACB}" type="datetimeFigureOut">
               <a:rPr lang="en-US" smtClean="0"/>
-              <a:t>4/29/2015</a:t>
+              <a:t>4/30/15</a:t>
             </a:fld>
             <a:endParaRPr lang="en-US"/>
           </a:p>
@@ -8459,7 +5051,7 @@
           <a:p>
             <a:fld id="{6D6DAAF7-B544-4EA4-A03C-3CDDF8176ACB}" type="datetimeFigureOut">
               <a:rPr lang="en-US" smtClean="0"/>
-              <a:t>4/29/2015</a:t>
+              <a:t>4/30/15</a:t>
             </a:fld>
             <a:endParaRPr lang="en-US"/>
           </a:p>
@@ -8736,7 +5328,7 @@
           <a:p>
             <a:fld id="{6D6DAAF7-B544-4EA4-A03C-3CDDF8176ACB}" type="datetimeFigureOut">
               <a:rPr lang="en-US" smtClean="0"/>
-              <a:t>4/29/2015</a:t>
+              <a:t>4/30/15</a:t>
             </a:fld>
             <a:endParaRPr lang="en-US"/>
           </a:p>
@@ -8993,7 +5585,7 @@
           <a:p>
             <a:fld id="{6D6DAAF7-B544-4EA4-A03C-3CDDF8176ACB}" type="datetimeFigureOut">
               <a:rPr lang="en-US" smtClean="0"/>
-              <a:t>4/29/2015</a:t>
+              <a:t>4/30/15</a:t>
             </a:fld>
             <a:endParaRPr lang="en-US"/>
           </a:p>
@@ -9206,7 +5798,7 @@
           <a:p>
             <a:fld id="{6D6DAAF7-B544-4EA4-A03C-3CDDF8176ACB}" type="datetimeFigureOut">
               <a:rPr lang="en-US" smtClean="0"/>
-              <a:t>4/29/2015</a:t>
+              <a:t>4/30/15</a:t>
             </a:fld>
             <a:endParaRPr lang="en-US"/>
           </a:p>
@@ -9675,23 +6267,7 @@
             </a:r>
             <a:r>
               <a:rPr lang="pt-BR" dirty="0" smtClean="0"/>
-              <a:t> (</a:t>
-            </a:r>
-            <a:r>
-              <a:rPr lang="pt-BR" dirty="0" smtClean="0"/>
-              <a:t>oaf</a:t>
-            </a:r>
-            <a:r>
-              <a:rPr lang="pt-BR" dirty="0" smtClean="0"/>
-              <a:t>2119</a:t>
-            </a:r>
-            <a:r>
-              <a:rPr lang="pt-BR" dirty="0" smtClean="0"/>
-              <a:t>@columbia.edu</a:t>
-            </a:r>
-            <a:r>
-              <a:rPr lang="pt-BR" dirty="0" smtClean="0"/>
-              <a:t>)</a:t>
+              <a:t> (oaf2119@columbia.edu)</a:t>
             </a:r>
           </a:p>
           <a:p>
@@ -9745,7 +6321,7 @@
   <p:timing>
     <p:tnLst>
       <p:par>
-        <p:cTn id="1" dur="indefinite" restart="never" nodeType="tmRoot"/>
+        <p:cTn xmlns:p14="http://schemas.microsoft.com/office/powerpoint/2010/main" id="1" dur="indefinite" restart="never" nodeType="tmRoot"/>
       </p:par>
     </p:tnLst>
   </p:timing>
@@ -9869,7 +6445,7 @@
   <p:timing>
     <p:tnLst>
       <p:par>
-        <p:cTn id="1" dur="indefinite" restart="never" nodeType="tmRoot"/>
+        <p:cTn xmlns:p14="http://schemas.microsoft.com/office/powerpoint/2010/main" id="1" dur="indefinite" restart="never" nodeType="tmRoot"/>
       </p:par>
     </p:tnLst>
   </p:timing>
@@ -9984,11 +6560,7 @@
             <a:pPr lvl="1"/>
             <a:r>
               <a:rPr lang="en-US" dirty="0" smtClean="0"/>
-              <a:t>Clang</a:t>
-            </a:r>
-            <a:r>
-              <a:rPr lang="en-US" dirty="0" smtClean="0"/>
-              <a:t>++</a:t>
+              <a:t>Clang++</a:t>
             </a:r>
             <a:endParaRPr lang="pt-BR" dirty="0"/>
           </a:p>
@@ -10071,7 +6643,6 @@
               <a:rPr lang="pt-BR" sz="2200" dirty="0" smtClean="0"/>
               <a:t> }</a:t>
             </a:r>
-            <a:endParaRPr lang="pt-BR" sz="2200" dirty="0" smtClean="0"/>
           </a:p>
           <a:p>
             <a:endParaRPr lang="pt-BR" dirty="0"/>
@@ -10107,11 +6678,7 @@
             </a:r>
             <a:r>
               <a:rPr lang="pt-BR" dirty="0" smtClean="0"/>
-              <a:t> input vector, 100k – </a:t>
-            </a:r>
-            <a:r>
-              <a:rPr lang="pt-BR" dirty="0" smtClean="0"/>
-              <a:t>500k</a:t>
+              <a:t> input vector, 100k – 500k</a:t>
             </a:r>
             <a:endParaRPr lang="en-US" dirty="0"/>
           </a:p>
@@ -10133,7 +6700,7 @@
   <p:timing>
     <p:tnLst>
       <p:par>
-        <p:cTn id="1" dur="indefinite" restart="never" nodeType="tmRoot"/>
+        <p:cTn xmlns:p14="http://schemas.microsoft.com/office/powerpoint/2010/main" id="1" dur="indefinite" restart="never" nodeType="tmRoot"/>
       </p:par>
     </p:tnLst>
   </p:timing>
@@ -10301,7 +6868,7 @@
   <p:timing>
     <p:tnLst>
       <p:par>
-        <p:cTn id="1" dur="indefinite" restart="never" nodeType="tmRoot"/>
+        <p:cTn xmlns:p14="http://schemas.microsoft.com/office/powerpoint/2010/main" id="1" dur="indefinite" restart="never" nodeType="tmRoot"/>
       </p:par>
     </p:tnLst>
   </p:timing>
@@ -10377,30 +6944,30 @@
           </a:p>
         </p:txBody>
       </p:sp>
-      <p:graphicFrame>
-        <p:nvGraphicFramePr>
-          <p:cNvPr id="5" name="Chart 4"/>
-          <p:cNvGraphicFramePr>
-            <a:graphicFrameLocks/>
-          </p:cNvGraphicFramePr>
-          <p:nvPr>
-            <p:extLst>
-              <p:ext uri="{D42A27DB-BD31-4B8C-83A1-F6EECF244321}">
-                <p14:modId xmlns:p14="http://schemas.microsoft.com/office/powerpoint/2010/main" val="2464748436"/>
-              </p:ext>
-            </p:extLst>
-          </p:nvPr>
-        </p:nvGraphicFramePr>
-        <p:xfrm>
-          <a:off x="388146" y="1376680"/>
-          <a:ext cx="11305540" cy="5481320"/>
-        </p:xfrm>
-        <a:graphic>
-          <a:graphicData uri="http://schemas.openxmlformats.org/drawingml/2006/chart">
-            <c:chart xmlns:c="http://schemas.openxmlformats.org/drawingml/2006/chart" xmlns:r="http://schemas.openxmlformats.org/officeDocument/2006/relationships" r:id="rId2"/>
-          </a:graphicData>
-        </a:graphic>
-      </p:graphicFrame>
+      <p:pic>
+        <p:nvPicPr>
+          <p:cNvPr id="4" name="Picture 3"/>
+          <p:cNvPicPr>
+            <a:picLocks noChangeAspect="1"/>
+          </p:cNvPicPr>
+          <p:nvPr/>
+        </p:nvPicPr>
+        <p:blipFill>
+          <a:blip r:embed="rId2"/>
+          <a:stretch>
+            <a:fillRect/>
+          </a:stretch>
+        </p:blipFill>
+        <p:spPr>
+          <a:xfrm>
+            <a:off x="469900" y="1466467"/>
+            <a:ext cx="11239500" cy="4869006"/>
+          </a:xfrm>
+          <a:prstGeom prst="rect">
+            <a:avLst/>
+          </a:prstGeom>
+        </p:spPr>
+      </p:pic>
     </p:spTree>
     <p:extLst>
       <p:ext uri="{BB962C8B-B14F-4D97-AF65-F5344CB8AC3E}">
@@ -10414,7 +6981,7 @@
   <p:timing>
     <p:tnLst>
       <p:par>
-        <p:cTn id="1" dur="indefinite" restart="never" nodeType="tmRoot"/>
+        <p:cTn xmlns:p14="http://schemas.microsoft.com/office/powerpoint/2010/main" id="1" dur="indefinite" restart="never" nodeType="tmRoot"/>
       </p:par>
     </p:tnLst>
   </p:timing>
@@ -10490,30 +7057,30 @@
           </a:p>
         </p:txBody>
       </p:sp>
-      <p:graphicFrame>
-        <p:nvGraphicFramePr>
-          <p:cNvPr id="5" name="Chart 4"/>
-          <p:cNvGraphicFramePr>
-            <a:graphicFrameLocks/>
-          </p:cNvGraphicFramePr>
-          <p:nvPr>
-            <p:extLst>
-              <p:ext uri="{D42A27DB-BD31-4B8C-83A1-F6EECF244321}">
-                <p14:modId xmlns:p14="http://schemas.microsoft.com/office/powerpoint/2010/main" val="2325595399"/>
-              </p:ext>
-            </p:extLst>
-          </p:nvPr>
-        </p:nvGraphicFramePr>
-        <p:xfrm>
-          <a:off x="440659" y="1285883"/>
-          <a:ext cx="11244580" cy="5674360"/>
-        </p:xfrm>
-        <a:graphic>
-          <a:graphicData uri="http://schemas.openxmlformats.org/drawingml/2006/chart">
-            <c:chart xmlns:c="http://schemas.openxmlformats.org/drawingml/2006/chart" xmlns:r="http://schemas.openxmlformats.org/officeDocument/2006/relationships" r:id="rId2"/>
-          </a:graphicData>
-        </a:graphic>
-      </p:graphicFrame>
+      <p:pic>
+        <p:nvPicPr>
+          <p:cNvPr id="4" name="Picture 3"/>
+          <p:cNvPicPr>
+            <a:picLocks noChangeAspect="1"/>
+          </p:cNvPicPr>
+          <p:nvPr/>
+        </p:nvPicPr>
+        <p:blipFill>
+          <a:blip r:embed="rId2"/>
+          <a:stretch>
+            <a:fillRect/>
+          </a:stretch>
+        </p:blipFill>
+        <p:spPr>
+          <a:xfrm>
+            <a:off x="508000" y="1451348"/>
+            <a:ext cx="11176000" cy="4746251"/>
+          </a:xfrm>
+          <a:prstGeom prst="rect">
+            <a:avLst/>
+          </a:prstGeom>
+        </p:spPr>
+      </p:pic>
     </p:spTree>
     <p:extLst>
       <p:ext uri="{BB962C8B-B14F-4D97-AF65-F5344CB8AC3E}">
@@ -10527,7 +7094,7 @@
   <p:timing>
     <p:tnLst>
       <p:par>
-        <p:cTn id="1" dur="indefinite" restart="never" nodeType="tmRoot"/>
+        <p:cTn xmlns:p14="http://schemas.microsoft.com/office/powerpoint/2010/main" id="1" dur="indefinite" restart="never" nodeType="tmRoot"/>
       </p:par>
     </p:tnLst>
   </p:timing>
@@ -10603,30 +7170,30 @@
           </a:p>
         </p:txBody>
       </p:sp>
-      <p:graphicFrame>
-        <p:nvGraphicFramePr>
-          <p:cNvPr id="5" name="Chart 4"/>
-          <p:cNvGraphicFramePr>
-            <a:graphicFrameLocks/>
-          </p:cNvGraphicFramePr>
-          <p:nvPr>
-            <p:extLst>
-              <p:ext uri="{D42A27DB-BD31-4B8C-83A1-F6EECF244321}">
-                <p14:modId xmlns:p14="http://schemas.microsoft.com/office/powerpoint/2010/main" val="3026042203"/>
-              </p:ext>
-            </p:extLst>
-          </p:nvPr>
-        </p:nvGraphicFramePr>
-        <p:xfrm>
-          <a:off x="838200" y="1825625"/>
-          <a:ext cx="10358136" cy="5001566"/>
-        </p:xfrm>
-        <a:graphic>
-          <a:graphicData uri="http://schemas.openxmlformats.org/drawingml/2006/chart">
-            <c:chart xmlns:c="http://schemas.openxmlformats.org/drawingml/2006/chart" xmlns:r="http://schemas.openxmlformats.org/officeDocument/2006/relationships" r:id="rId2"/>
-          </a:graphicData>
-        </a:graphic>
-      </p:graphicFrame>
+      <p:pic>
+        <p:nvPicPr>
+          <p:cNvPr id="4" name="Picture 3"/>
+          <p:cNvPicPr>
+            <a:picLocks noChangeAspect="1"/>
+          </p:cNvPicPr>
+          <p:nvPr/>
+        </p:nvPicPr>
+        <p:blipFill>
+          <a:blip r:embed="rId2"/>
+          <a:stretch>
+            <a:fillRect/>
+          </a:stretch>
+        </p:blipFill>
+        <p:spPr>
+          <a:xfrm>
+            <a:off x="508000" y="1511820"/>
+            <a:ext cx="11163300" cy="4914379"/>
+          </a:xfrm>
+          <a:prstGeom prst="rect">
+            <a:avLst/>
+          </a:prstGeom>
+        </p:spPr>
+      </p:pic>
     </p:spTree>
     <p:extLst>
       <p:ext uri="{BB962C8B-B14F-4D97-AF65-F5344CB8AC3E}">
@@ -10640,7 +7207,7 @@
   <p:timing>
     <p:tnLst>
       <p:par>
-        <p:cTn id="1" dur="indefinite" restart="never" nodeType="tmRoot"/>
+        <p:cTn xmlns:p14="http://schemas.microsoft.com/office/powerpoint/2010/main" id="1" dur="indefinite" restart="never" nodeType="tmRoot"/>
       </p:par>
     </p:tnLst>
   </p:timing>
@@ -10789,7 +7356,6 @@
               <a:rPr lang="pt-BR" dirty="0" smtClean="0"/>
               <a:t> 100k</a:t>
             </a:r>
-            <a:endParaRPr lang="pt-BR" dirty="0" smtClean="0"/>
           </a:p>
         </p:txBody>
       </p:sp>
@@ -10806,7 +7372,7 @@
   <p:timing>
     <p:tnLst>
       <p:par>
-        <p:cTn id="1" dur="indefinite" restart="never" nodeType="tmRoot"/>
+        <p:cTn xmlns:p14="http://schemas.microsoft.com/office/powerpoint/2010/main" id="1" dur="indefinite" restart="never" nodeType="tmRoot"/>
       </p:par>
     </p:tnLst>
   </p:timing>
@@ -11037,7 +7603,7 @@
   <p:timing>
     <p:tnLst>
       <p:par>
-        <p:cTn id="1" dur="indefinite" restart="never" nodeType="tmRoot"/>
+        <p:cTn xmlns:p14="http://schemas.microsoft.com/office/powerpoint/2010/main" id="1" dur="indefinite" restart="never" nodeType="tmRoot"/>
       </p:par>
     </p:tnLst>
   </p:timing>
@@ -11113,30 +7679,30 @@
           </a:p>
         </p:txBody>
       </p:sp>
-      <p:graphicFrame>
-        <p:nvGraphicFramePr>
-          <p:cNvPr id="4" name="Chart 3"/>
-          <p:cNvGraphicFramePr>
-            <a:graphicFrameLocks/>
-          </p:cNvGraphicFramePr>
-          <p:nvPr>
-            <p:extLst>
-              <p:ext uri="{D42A27DB-BD31-4B8C-83A1-F6EECF244321}">
-                <p14:modId xmlns:p14="http://schemas.microsoft.com/office/powerpoint/2010/main" val="4088588681"/>
-              </p:ext>
-            </p:extLst>
-          </p:nvPr>
-        </p:nvGraphicFramePr>
-        <p:xfrm>
-          <a:off x="705998" y="1690688"/>
-          <a:ext cx="10839056" cy="4482037"/>
-        </p:xfrm>
-        <a:graphic>
-          <a:graphicData uri="http://schemas.openxmlformats.org/drawingml/2006/chart">
-            <c:chart xmlns:c="http://schemas.openxmlformats.org/drawingml/2006/chart" xmlns:r="http://schemas.openxmlformats.org/officeDocument/2006/relationships" r:id="rId2"/>
-          </a:graphicData>
-        </a:graphic>
-      </p:graphicFrame>
+      <p:pic>
+        <p:nvPicPr>
+          <p:cNvPr id="6" name="Picture 5"/>
+          <p:cNvPicPr>
+            <a:picLocks noChangeAspect="1"/>
+          </p:cNvPicPr>
+          <p:nvPr/>
+        </p:nvPicPr>
+        <p:blipFill>
+          <a:blip r:embed="rId2"/>
+          <a:stretch>
+            <a:fillRect/>
+          </a:stretch>
+        </p:blipFill>
+        <p:spPr>
+          <a:xfrm>
+            <a:off x="254000" y="1511820"/>
+            <a:ext cx="11671300" cy="4609579"/>
+          </a:xfrm>
+          <a:prstGeom prst="rect">
+            <a:avLst/>
+          </a:prstGeom>
+        </p:spPr>
+      </p:pic>
     </p:spTree>
     <p:extLst>
       <p:ext uri="{BB962C8B-B14F-4D97-AF65-F5344CB8AC3E}">
@@ -11150,7 +7716,7 @@
   <p:timing>
     <p:tnLst>
       <p:par>
-        <p:cTn id="1" dur="indefinite" restart="never" nodeType="tmRoot"/>
+        <p:cTn xmlns:p14="http://schemas.microsoft.com/office/powerpoint/2010/main" id="1" dur="indefinite" restart="never" nodeType="tmRoot"/>
       </p:par>
     </p:tnLst>
   </p:timing>
@@ -11191,8 +7757,8 @@
           <a:p>
             <a:pPr algn="ctr"/>
             <a:r>
-              <a:rPr lang="pt-BR" dirty="0" err="1" smtClean="0"/>
-              <a:t>Summation</a:t>
+              <a:rPr lang="en-US" dirty="0" smtClean="0"/>
+              <a:t>Results</a:t>
             </a:r>
             <a:endParaRPr lang="en-US" dirty="0"/>
           </a:p>
@@ -11213,208 +7779,77 @@
           <a:bodyPr/>
           <a:lstStyle/>
           <a:p>
-            <a:r>
-              <a:rPr lang="pt-BR" dirty="0" err="1" smtClean="0"/>
-              <a:t>Comprehensive</a:t>
-            </a:r>
-            <a:r>
-              <a:rPr lang="pt-BR" dirty="0" smtClean="0"/>
-              <a:t> </a:t>
-            </a:r>
-            <a:r>
-              <a:rPr lang="pt-BR" dirty="0" err="1" smtClean="0"/>
-              <a:t>higher</a:t>
-            </a:r>
-            <a:r>
-              <a:rPr lang="pt-BR" dirty="0" smtClean="0"/>
-              <a:t> </a:t>
-            </a:r>
-            <a:r>
-              <a:rPr lang="pt-BR" dirty="0" err="1" smtClean="0"/>
-              <a:t>order</a:t>
-            </a:r>
-            <a:r>
-              <a:rPr lang="pt-BR" dirty="0" smtClean="0"/>
-              <a:t> </a:t>
-            </a:r>
-            <a:r>
-              <a:rPr lang="pt-BR" dirty="0" err="1" smtClean="0"/>
-              <a:t>functional</a:t>
-            </a:r>
-            <a:r>
-              <a:rPr lang="pt-BR" dirty="0" smtClean="0"/>
-              <a:t> </a:t>
-            </a:r>
-            <a:r>
-              <a:rPr lang="pt-BR" dirty="0" err="1" smtClean="0"/>
-              <a:t>library</a:t>
-            </a:r>
-            <a:endParaRPr lang="pt-BR" dirty="0" smtClean="0"/>
-          </a:p>
-          <a:p>
-            <a:r>
-              <a:rPr lang="pt-BR" dirty="0" err="1" smtClean="0"/>
-              <a:t>Extension</a:t>
-            </a:r>
-            <a:r>
-              <a:rPr lang="pt-BR" dirty="0" smtClean="0"/>
-              <a:t> </a:t>
-            </a:r>
-            <a:r>
-              <a:rPr lang="pt-BR" dirty="0" err="1" smtClean="0"/>
-              <a:t>of</a:t>
-            </a:r>
-            <a:r>
-              <a:rPr lang="pt-BR" dirty="0" smtClean="0"/>
-              <a:t> STL</a:t>
-            </a:r>
-          </a:p>
-          <a:p>
-            <a:r>
-              <a:rPr lang="pt-BR" dirty="0" smtClean="0"/>
-              <a:t>More </a:t>
-            </a:r>
-            <a:r>
-              <a:rPr lang="pt-BR" dirty="0" err="1" smtClean="0"/>
-              <a:t>intuitive</a:t>
-            </a:r>
-            <a:r>
-              <a:rPr lang="pt-BR" dirty="0" smtClean="0"/>
-              <a:t> </a:t>
-            </a:r>
-            <a:r>
-              <a:rPr lang="pt-BR" dirty="0" err="1" smtClean="0"/>
-              <a:t>way</a:t>
-            </a:r>
-            <a:r>
-              <a:rPr lang="pt-BR" dirty="0" smtClean="0"/>
-              <a:t> </a:t>
-            </a:r>
-            <a:r>
-              <a:rPr lang="pt-BR" dirty="0" err="1" smtClean="0"/>
-              <a:t>to</a:t>
-            </a:r>
-            <a:r>
-              <a:rPr lang="pt-BR" dirty="0" smtClean="0"/>
-              <a:t> </a:t>
-            </a:r>
-            <a:r>
-              <a:rPr lang="pt-BR" dirty="0" err="1" smtClean="0"/>
-              <a:t>code</a:t>
-            </a:r>
-            <a:endParaRPr lang="pt-BR" dirty="0" smtClean="0"/>
-          </a:p>
-          <a:p>
-            <a:r>
-              <a:rPr lang="pt-BR" dirty="0" err="1" smtClean="0"/>
-              <a:t>Performs</a:t>
-            </a:r>
-            <a:r>
-              <a:rPr lang="pt-BR" dirty="0" smtClean="0"/>
-              <a:t> </a:t>
-            </a:r>
-            <a:r>
-              <a:rPr lang="pt-BR" dirty="0" err="1" smtClean="0"/>
-              <a:t>better</a:t>
-            </a:r>
-            <a:r>
-              <a:rPr lang="pt-BR" dirty="0" smtClean="0"/>
-              <a:t> </a:t>
-            </a:r>
-            <a:r>
-              <a:rPr lang="pt-BR" dirty="0" err="1" smtClean="0"/>
-              <a:t>than</a:t>
-            </a:r>
-            <a:r>
-              <a:rPr lang="pt-BR" dirty="0" smtClean="0"/>
-              <a:t> </a:t>
-            </a:r>
-            <a:r>
-              <a:rPr lang="pt-BR" dirty="0" err="1" smtClean="0"/>
-              <a:t>our</a:t>
-            </a:r>
-            <a:r>
-              <a:rPr lang="pt-BR" dirty="0" smtClean="0"/>
-              <a:t> </a:t>
-            </a:r>
-            <a:r>
-              <a:rPr lang="pt-BR" dirty="0" err="1" smtClean="0"/>
-              <a:t>main</a:t>
-            </a:r>
-            <a:r>
-              <a:rPr lang="pt-BR" dirty="0" smtClean="0"/>
-              <a:t> benchmarks (FC++ &amp; FTL)</a:t>
-            </a:r>
-          </a:p>
-          <a:p>
-            <a:r>
-              <a:rPr lang="pt-BR" dirty="0" err="1" smtClean="0"/>
-              <a:t>Far</a:t>
-            </a:r>
-            <a:r>
-              <a:rPr lang="pt-BR" dirty="0" smtClean="0"/>
-              <a:t> more </a:t>
-            </a:r>
-            <a:r>
-              <a:rPr lang="pt-BR" dirty="0" err="1" smtClean="0"/>
-              <a:t>and</a:t>
-            </a:r>
-            <a:r>
-              <a:rPr lang="pt-BR" dirty="0" smtClean="0"/>
-              <a:t> </a:t>
-            </a:r>
-            <a:r>
-              <a:rPr lang="pt-BR" dirty="0" err="1" smtClean="0"/>
-              <a:t>far</a:t>
-            </a:r>
-            <a:r>
-              <a:rPr lang="pt-BR" dirty="0" smtClean="0"/>
-              <a:t> </a:t>
-            </a:r>
-            <a:r>
-              <a:rPr lang="pt-BR" dirty="0" err="1" smtClean="0"/>
-              <a:t>better</a:t>
-            </a:r>
-            <a:r>
-              <a:rPr lang="pt-BR" dirty="0" smtClean="0"/>
-              <a:t> </a:t>
-            </a:r>
-            <a:r>
-              <a:rPr lang="pt-BR" dirty="0" err="1" smtClean="0"/>
-              <a:t>documentation</a:t>
-            </a:r>
-            <a:r>
-              <a:rPr lang="pt-BR" dirty="0" smtClean="0"/>
-              <a:t>/</a:t>
-            </a:r>
-            <a:r>
-              <a:rPr lang="pt-BR" dirty="0" err="1" smtClean="0"/>
-              <a:t>tutorials</a:t>
-            </a:r>
-            <a:r>
-              <a:rPr lang="pt-BR" dirty="0" smtClean="0"/>
-              <a:t> (FC++ &amp; FTL)</a:t>
-            </a:r>
-          </a:p>
-        </p:txBody>
-      </p:sp>
+            <a:endParaRPr lang="en-US" dirty="0"/>
+          </a:p>
+        </p:txBody>
+      </p:sp>
+      <p:graphicFrame>
+        <p:nvGraphicFramePr>
+          <p:cNvPr id="6" name="Object 5"/>
+          <p:cNvGraphicFramePr>
+            <a:graphicFrameLocks noChangeAspect="1"/>
+          </p:cNvGraphicFramePr>
+          <p:nvPr>
+            <p:extLst>
+              <p:ext uri="{D42A27DB-BD31-4B8C-83A1-F6EECF244321}">
+                <p14:modId xmlns:p14="http://schemas.microsoft.com/office/powerpoint/2010/main" val="2358209250"/>
+              </p:ext>
+            </p:extLst>
+          </p:nvPr>
+        </p:nvGraphicFramePr>
+        <p:xfrm>
+          <a:off x="2872708" y="1881943"/>
+          <a:ext cx="5574517" cy="4361879"/>
+        </p:xfrm>
+        <a:graphic>
+          <a:graphicData uri="http://schemas.openxmlformats.org/presentationml/2006/ole">
+            <mc:AlternateContent xmlns:mc="http://schemas.openxmlformats.org/markup-compatibility/2006">
+              <mc:Choice xmlns:v="urn:schemas-microsoft-com:vml" Requires="v">
+                <p:oleObj spid="_x0000_s1026" name="Worksheet" r:id="rId3" imgW="3911600" imgH="3060700" progId="Excel.Sheet.12">
+                  <p:embed/>
+                </p:oleObj>
+              </mc:Choice>
+              <mc:Fallback>
+                <p:oleObj name="Worksheet" r:id="rId3" imgW="3911600" imgH="3060700" progId="Excel.Sheet.12">
+                  <p:embed/>
+                  <p:pic>
+                    <p:nvPicPr>
+                      <p:cNvPr id="0" name=""/>
+                      <p:cNvPicPr/>
+                      <p:nvPr/>
+                    </p:nvPicPr>
+                    <p:blipFill>
+                      <a:blip r:embed="rId4"/>
+                      <a:stretch>
+                        <a:fillRect/>
+                      </a:stretch>
+                    </p:blipFill>
+                    <p:spPr>
+                      <a:xfrm>
+                        <a:off x="2872708" y="1881943"/>
+                        <a:ext cx="5574517" cy="4361879"/>
+                      </a:xfrm>
+                      <a:prstGeom prst="rect">
+                        <a:avLst/>
+                      </a:prstGeom>
+                    </p:spPr>
+                  </p:pic>
+                </p:oleObj>
+              </mc:Fallback>
+            </mc:AlternateContent>
+          </a:graphicData>
+        </a:graphic>
+      </p:graphicFrame>
     </p:spTree>
     <p:extLst>
       <p:ext uri="{BB962C8B-B14F-4D97-AF65-F5344CB8AC3E}">
-        <p14:creationId xmlns:p14="http://schemas.microsoft.com/office/powerpoint/2010/main" val="111828400"/>
+        <p14:creationId xmlns:p14="http://schemas.microsoft.com/office/powerpoint/2010/main" val="1097616676"/>
       </p:ext>
     </p:extLst>
   </p:cSld>
   <p:clrMapOvr>
     <a:masterClrMapping/>
   </p:clrMapOvr>
-  <p:timing>
-    <p:tnLst>
-      <p:par>
-        <p:cTn id="1" dur="indefinite" restart="never" nodeType="tmRoot"/>
-      </p:par>
-    </p:tnLst>
-  </p:timing>
 </p:sld>
 </file>
 
@@ -11653,13 +8088,13 @@
       <p:transition spd="slow" p14:dur="2000"/>
     </mc:Choice>
     <mc:Fallback>
-      <p:transition spd="slow"/>
+      <p:transition xmlns:p14="http://schemas.microsoft.com/office/powerpoint/2010/main" spd="slow"/>
     </mc:Fallback>
   </mc:AlternateContent>
   <p:timing>
     <p:tnLst>
       <p:par>
-        <p:cTn id="1" dur="indefinite" restart="never" nodeType="tmRoot"/>
+        <p:cTn xmlns:p14="http://schemas.microsoft.com/office/powerpoint/2010/main" id="1" dur="indefinite" restart="never" nodeType="tmRoot"/>
       </p:par>
     </p:tnLst>
   </p:timing>
@@ -11700,8 +8135,8 @@
           <a:p>
             <a:pPr algn="ctr"/>
             <a:r>
-              <a:rPr lang="pt-BR" dirty="0" err="1" smtClean="0"/>
-              <a:t>Acknowledgements</a:t>
+              <a:rPr lang="en-US" dirty="0" smtClean="0"/>
+              <a:t>Results</a:t>
             </a:r>
             <a:endParaRPr lang="en-US" dirty="0"/>
           </a:p>
@@ -11722,65 +8157,134 @@
           <a:bodyPr/>
           <a:lstStyle/>
           <a:p>
-            <a:r>
-              <a:rPr lang="en-US" dirty="0" smtClean="0"/>
-              <a:t>FTL : https</a:t>
-            </a:r>
-            <a:r>
-              <a:rPr lang="en-US" dirty="0"/>
-              <a:t>://</a:t>
-            </a:r>
-            <a:r>
-              <a:rPr lang="en-US" dirty="0" smtClean="0"/>
-              <a:t>github.com/beark/ftl</a:t>
-            </a:r>
-          </a:p>
-          <a:p>
-            <a:endParaRPr lang="en-US" dirty="0" smtClean="0"/>
-          </a:p>
-          <a:p>
-            <a:r>
-              <a:rPr lang="en-US" dirty="0" smtClean="0"/>
-              <a:t>FC</a:t>
-            </a:r>
-            <a:r>
-              <a:rPr lang="en-US" dirty="0" smtClean="0"/>
-              <a:t>++ : http</a:t>
-            </a:r>
-            <a:r>
-              <a:rPr lang="en-US" dirty="0"/>
-              <a:t>://cgi.di.uoa.gr/~smaragd/fc</a:t>
-            </a:r>
-            <a:r>
-              <a:rPr lang="en-US" dirty="0" smtClean="0"/>
-              <a:t>++/</a:t>
-            </a:r>
-          </a:p>
-          <a:p>
-            <a:pPr marL="0" indent="0">
-              <a:buNone/>
-            </a:pPr>
-            <a:endParaRPr lang="en-US" dirty="0" smtClean="0"/>
-          </a:p>
-        </p:txBody>
-      </p:sp>
+            <a:endParaRPr lang="en-US" dirty="0"/>
+          </a:p>
+        </p:txBody>
+      </p:sp>
+      <p:graphicFrame>
+        <p:nvGraphicFramePr>
+          <p:cNvPr id="4" name="Object 3"/>
+          <p:cNvGraphicFramePr>
+            <a:graphicFrameLocks noChangeAspect="1"/>
+          </p:cNvGraphicFramePr>
+          <p:nvPr>
+            <p:extLst>
+              <p:ext uri="{D42A27DB-BD31-4B8C-83A1-F6EECF244321}">
+                <p14:modId xmlns:p14="http://schemas.microsoft.com/office/powerpoint/2010/main" val="808973464"/>
+              </p:ext>
+            </p:extLst>
+          </p:nvPr>
+        </p:nvGraphicFramePr>
+        <p:xfrm>
+          <a:off x="886788" y="1863782"/>
+          <a:ext cx="4279900" cy="3822700"/>
+        </p:xfrm>
+        <a:graphic>
+          <a:graphicData uri="http://schemas.openxmlformats.org/presentationml/2006/ole">
+            <mc:AlternateContent xmlns:mc="http://schemas.openxmlformats.org/markup-compatibility/2006">
+              <mc:Choice xmlns:v="urn:schemas-microsoft-com:vml" Requires="v">
+                <p:oleObj spid="_x0000_s2051" name="Worksheet" r:id="rId3" imgW="4279900" imgH="3822700" progId="Excel.Sheet.12">
+                  <p:embed/>
+                </p:oleObj>
+              </mc:Choice>
+              <mc:Fallback>
+                <p:oleObj name="Worksheet" r:id="rId3" imgW="4279900" imgH="3822700" progId="Excel.Sheet.12">
+                  <p:embed/>
+                  <p:pic>
+                    <p:nvPicPr>
+                      <p:cNvPr id="0" name=""/>
+                      <p:cNvPicPr/>
+                      <p:nvPr/>
+                    </p:nvPicPr>
+                    <p:blipFill>
+                      <a:blip r:embed="rId4"/>
+                      <a:stretch>
+                        <a:fillRect/>
+                      </a:stretch>
+                    </p:blipFill>
+                    <p:spPr>
+                      <a:xfrm>
+                        <a:off x="886788" y="1863782"/>
+                        <a:ext cx="4279900" cy="3822700"/>
+                      </a:xfrm>
+                      <a:prstGeom prst="rect">
+                        <a:avLst/>
+                      </a:prstGeom>
+                    </p:spPr>
+                  </p:pic>
+                </p:oleObj>
+              </mc:Fallback>
+            </mc:AlternateContent>
+          </a:graphicData>
+        </a:graphic>
+      </p:graphicFrame>
+      <p:graphicFrame>
+        <p:nvGraphicFramePr>
+          <p:cNvPr id="5" name="Object 4"/>
+          <p:cNvGraphicFramePr>
+            <a:graphicFrameLocks noChangeAspect="1"/>
+          </p:cNvGraphicFramePr>
+          <p:nvPr>
+            <p:extLst>
+              <p:ext uri="{D42A27DB-BD31-4B8C-83A1-F6EECF244321}">
+                <p14:modId xmlns:p14="http://schemas.microsoft.com/office/powerpoint/2010/main" val="1603091378"/>
+              </p:ext>
+            </p:extLst>
+          </p:nvPr>
+        </p:nvGraphicFramePr>
+        <p:xfrm>
+          <a:off x="6617084" y="2004440"/>
+          <a:ext cx="4279900" cy="1727200"/>
+        </p:xfrm>
+        <a:graphic>
+          <a:graphicData uri="http://schemas.openxmlformats.org/presentationml/2006/ole">
+            <mc:AlternateContent xmlns:mc="http://schemas.openxmlformats.org/markup-compatibility/2006">
+              <mc:Choice xmlns:v="urn:schemas-microsoft-com:vml" Requires="v">
+                <p:oleObj spid="_x0000_s2052" name="Worksheet" r:id="rId5" imgW="4279900" imgH="1727200" progId="Excel.Sheet.12">
+                  <p:embed/>
+                </p:oleObj>
+              </mc:Choice>
+              <mc:Fallback>
+                <p:oleObj name="Worksheet" r:id="rId5" imgW="4279900" imgH="1727200" progId="Excel.Sheet.12">
+                  <p:embed/>
+                  <p:pic>
+                    <p:nvPicPr>
+                      <p:cNvPr id="0" name=""/>
+                      <p:cNvPicPr/>
+                      <p:nvPr/>
+                    </p:nvPicPr>
+                    <p:blipFill>
+                      <a:blip r:embed="rId6"/>
+                      <a:stretch>
+                        <a:fillRect/>
+                      </a:stretch>
+                    </p:blipFill>
+                    <p:spPr>
+                      <a:xfrm>
+                        <a:off x="6617084" y="2004440"/>
+                        <a:ext cx="4279900" cy="1727200"/>
+                      </a:xfrm>
+                      <a:prstGeom prst="rect">
+                        <a:avLst/>
+                      </a:prstGeom>
+                    </p:spPr>
+                  </p:pic>
+                </p:oleObj>
+              </mc:Fallback>
+            </mc:AlternateContent>
+          </a:graphicData>
+        </a:graphic>
+      </p:graphicFrame>
     </p:spTree>
     <p:extLst>
       <p:ext uri="{BB962C8B-B14F-4D97-AF65-F5344CB8AC3E}">
-        <p14:creationId xmlns:p14="http://schemas.microsoft.com/office/powerpoint/2010/main" val="2404356271"/>
+        <p14:creationId xmlns:p14="http://schemas.microsoft.com/office/powerpoint/2010/main" val="1916045082"/>
       </p:ext>
     </p:extLst>
   </p:cSld>
   <p:clrMapOvr>
     <a:masterClrMapping/>
   </p:clrMapOvr>
-  <p:timing>
-    <p:tnLst>
-      <p:par>
-        <p:cTn id="1" dur="indefinite" restart="never" nodeType="tmRoot"/>
-      </p:par>
-    </p:tnLst>
-  </p:timing>
 </p:sld>
 </file>
 
@@ -11818,6 +8322,381 @@
           <a:p>
             <a:pPr algn="ctr"/>
             <a:r>
+              <a:rPr lang="pt-BR" dirty="0" err="1" smtClean="0"/>
+              <a:t>Summation</a:t>
+            </a:r>
+            <a:endParaRPr lang="en-US" dirty="0"/>
+          </a:p>
+        </p:txBody>
+      </p:sp>
+      <p:sp>
+        <p:nvSpPr>
+          <p:cNvPr id="3" name="Content Placeholder 2"/>
+          <p:cNvSpPr>
+            <a:spLocks noGrp="1"/>
+          </p:cNvSpPr>
+          <p:nvPr>
+            <p:ph idx="1"/>
+          </p:nvPr>
+        </p:nvSpPr>
+        <p:spPr/>
+        <p:txBody>
+          <a:bodyPr/>
+          <a:lstStyle/>
+          <a:p>
+            <a:r>
+              <a:rPr lang="pt-BR" dirty="0" err="1" smtClean="0"/>
+              <a:t>Comprehensive</a:t>
+            </a:r>
+            <a:r>
+              <a:rPr lang="pt-BR" dirty="0" smtClean="0"/>
+              <a:t> </a:t>
+            </a:r>
+            <a:r>
+              <a:rPr lang="pt-BR" dirty="0" err="1" smtClean="0"/>
+              <a:t>higher</a:t>
+            </a:r>
+            <a:r>
+              <a:rPr lang="pt-BR" dirty="0" smtClean="0"/>
+              <a:t> </a:t>
+            </a:r>
+            <a:r>
+              <a:rPr lang="pt-BR" dirty="0" err="1" smtClean="0"/>
+              <a:t>order</a:t>
+            </a:r>
+            <a:r>
+              <a:rPr lang="pt-BR" dirty="0" smtClean="0"/>
+              <a:t> </a:t>
+            </a:r>
+            <a:r>
+              <a:rPr lang="pt-BR" dirty="0" err="1" smtClean="0"/>
+              <a:t>functional</a:t>
+            </a:r>
+            <a:r>
+              <a:rPr lang="pt-BR" dirty="0" smtClean="0"/>
+              <a:t> </a:t>
+            </a:r>
+            <a:r>
+              <a:rPr lang="pt-BR" dirty="0" err="1" smtClean="0"/>
+              <a:t>library</a:t>
+            </a:r>
+            <a:endParaRPr lang="pt-BR" dirty="0" smtClean="0"/>
+          </a:p>
+          <a:p>
+            <a:r>
+              <a:rPr lang="pt-BR" dirty="0" err="1" smtClean="0"/>
+              <a:t>Extension</a:t>
+            </a:r>
+            <a:r>
+              <a:rPr lang="pt-BR" dirty="0" smtClean="0"/>
+              <a:t> </a:t>
+            </a:r>
+            <a:r>
+              <a:rPr lang="pt-BR" dirty="0" err="1" smtClean="0"/>
+              <a:t>of</a:t>
+            </a:r>
+            <a:r>
+              <a:rPr lang="pt-BR" dirty="0" smtClean="0"/>
+              <a:t> STL</a:t>
+            </a:r>
+          </a:p>
+          <a:p>
+            <a:r>
+              <a:rPr lang="pt-BR" dirty="0" smtClean="0"/>
+              <a:t>More </a:t>
+            </a:r>
+            <a:r>
+              <a:rPr lang="pt-BR" dirty="0" err="1" smtClean="0"/>
+              <a:t>intuitive</a:t>
+            </a:r>
+            <a:r>
+              <a:rPr lang="pt-BR" dirty="0" smtClean="0"/>
+              <a:t> </a:t>
+            </a:r>
+            <a:r>
+              <a:rPr lang="pt-BR" dirty="0" err="1" smtClean="0"/>
+              <a:t>way</a:t>
+            </a:r>
+            <a:r>
+              <a:rPr lang="pt-BR" dirty="0" smtClean="0"/>
+              <a:t> </a:t>
+            </a:r>
+            <a:r>
+              <a:rPr lang="pt-BR" dirty="0" err="1" smtClean="0"/>
+              <a:t>to</a:t>
+            </a:r>
+            <a:r>
+              <a:rPr lang="pt-BR" dirty="0" smtClean="0"/>
+              <a:t> </a:t>
+            </a:r>
+            <a:r>
+              <a:rPr lang="pt-BR" dirty="0" err="1" smtClean="0"/>
+              <a:t>code</a:t>
+            </a:r>
+            <a:endParaRPr lang="pt-BR" dirty="0" smtClean="0"/>
+          </a:p>
+          <a:p>
+            <a:r>
+              <a:rPr lang="pt-BR" dirty="0" err="1" smtClean="0"/>
+              <a:t>Performs</a:t>
+            </a:r>
+            <a:r>
+              <a:rPr lang="pt-BR" dirty="0" smtClean="0"/>
+              <a:t> </a:t>
+            </a:r>
+            <a:r>
+              <a:rPr lang="pt-BR" dirty="0" err="1" smtClean="0"/>
+              <a:t>better</a:t>
+            </a:r>
+            <a:r>
+              <a:rPr lang="pt-BR" dirty="0" smtClean="0"/>
+              <a:t> </a:t>
+            </a:r>
+            <a:r>
+              <a:rPr lang="pt-BR" dirty="0" err="1" smtClean="0"/>
+              <a:t>than</a:t>
+            </a:r>
+            <a:r>
+              <a:rPr lang="pt-BR" dirty="0" smtClean="0"/>
+              <a:t> </a:t>
+            </a:r>
+            <a:r>
+              <a:rPr lang="pt-BR" dirty="0" err="1" smtClean="0"/>
+              <a:t>our</a:t>
+            </a:r>
+            <a:r>
+              <a:rPr lang="pt-BR" dirty="0" smtClean="0"/>
+              <a:t> </a:t>
+            </a:r>
+            <a:r>
+              <a:rPr lang="pt-BR" dirty="0" err="1" smtClean="0"/>
+              <a:t>main</a:t>
+            </a:r>
+            <a:r>
+              <a:rPr lang="pt-BR" dirty="0" smtClean="0"/>
+              <a:t> benchmarks (FC++ &amp; FTL)</a:t>
+            </a:r>
+          </a:p>
+          <a:p>
+            <a:r>
+              <a:rPr lang="pt-BR" dirty="0" err="1" smtClean="0"/>
+              <a:t>Far</a:t>
+            </a:r>
+            <a:r>
+              <a:rPr lang="pt-BR" dirty="0" smtClean="0"/>
+              <a:t> more </a:t>
+            </a:r>
+            <a:r>
+              <a:rPr lang="pt-BR" dirty="0" err="1" smtClean="0"/>
+              <a:t>and</a:t>
+            </a:r>
+            <a:r>
+              <a:rPr lang="pt-BR" dirty="0" smtClean="0"/>
+              <a:t> </a:t>
+            </a:r>
+            <a:r>
+              <a:rPr lang="pt-BR" dirty="0" err="1" smtClean="0"/>
+              <a:t>far</a:t>
+            </a:r>
+            <a:r>
+              <a:rPr lang="pt-BR" dirty="0" smtClean="0"/>
+              <a:t> </a:t>
+            </a:r>
+            <a:r>
+              <a:rPr lang="pt-BR" dirty="0" err="1" smtClean="0"/>
+              <a:t>better</a:t>
+            </a:r>
+            <a:r>
+              <a:rPr lang="pt-BR" dirty="0" smtClean="0"/>
+              <a:t> </a:t>
+            </a:r>
+            <a:r>
+              <a:rPr lang="pt-BR" dirty="0" err="1" smtClean="0"/>
+              <a:t>documentation</a:t>
+            </a:r>
+            <a:r>
+              <a:rPr lang="pt-BR" dirty="0" smtClean="0"/>
+              <a:t>/</a:t>
+            </a:r>
+            <a:r>
+              <a:rPr lang="pt-BR" dirty="0" err="1" smtClean="0"/>
+              <a:t>tutorials</a:t>
+            </a:r>
+            <a:r>
+              <a:rPr lang="pt-BR" dirty="0" smtClean="0"/>
+              <a:t> (FC++ &amp; FTL)</a:t>
+            </a:r>
+          </a:p>
+        </p:txBody>
+      </p:sp>
+    </p:spTree>
+    <p:extLst>
+      <p:ext uri="{BB962C8B-B14F-4D97-AF65-F5344CB8AC3E}">
+        <p14:creationId xmlns:p14="http://schemas.microsoft.com/office/powerpoint/2010/main" val="111828400"/>
+      </p:ext>
+    </p:extLst>
+  </p:cSld>
+  <p:clrMapOvr>
+    <a:masterClrMapping/>
+  </p:clrMapOvr>
+  <p:timing>
+    <p:tnLst>
+      <p:par>
+        <p:cTn xmlns:p14="http://schemas.microsoft.com/office/powerpoint/2010/main" id="1" dur="indefinite" restart="never" nodeType="tmRoot"/>
+      </p:par>
+    </p:tnLst>
+  </p:timing>
+</p:sld>
+</file>
+
+<file path=ppt/slides/slide22.xml><?xml version="1.0" encoding="utf-8"?>
+<p:sld xmlns:a="http://schemas.openxmlformats.org/drawingml/2006/main" xmlns:r="http://schemas.openxmlformats.org/officeDocument/2006/relationships" xmlns:p="http://schemas.openxmlformats.org/presentationml/2006/main">
+  <p:cSld>
+    <p:spTree>
+      <p:nvGrpSpPr>
+        <p:cNvPr id="1" name=""/>
+        <p:cNvGrpSpPr/>
+        <p:nvPr/>
+      </p:nvGrpSpPr>
+      <p:grpSpPr>
+        <a:xfrm>
+          <a:off x="0" y="0"/>
+          <a:ext cx="0" cy="0"/>
+          <a:chOff x="0" y="0"/>
+          <a:chExt cx="0" cy="0"/>
+        </a:xfrm>
+      </p:grpSpPr>
+      <p:sp>
+        <p:nvSpPr>
+          <p:cNvPr id="2" name="Title 1"/>
+          <p:cNvSpPr>
+            <a:spLocks noGrp="1"/>
+          </p:cNvSpPr>
+          <p:nvPr>
+            <p:ph type="title"/>
+          </p:nvPr>
+        </p:nvSpPr>
+        <p:spPr/>
+        <p:txBody>
+          <a:bodyPr/>
+          <a:lstStyle/>
+          <a:p>
+            <a:pPr algn="ctr"/>
+            <a:r>
+              <a:rPr lang="pt-BR" dirty="0" err="1" smtClean="0"/>
+              <a:t>Acknowledgements</a:t>
+            </a:r>
+            <a:endParaRPr lang="en-US" dirty="0"/>
+          </a:p>
+        </p:txBody>
+      </p:sp>
+      <p:sp>
+        <p:nvSpPr>
+          <p:cNvPr id="3" name="Content Placeholder 2"/>
+          <p:cNvSpPr>
+            <a:spLocks noGrp="1"/>
+          </p:cNvSpPr>
+          <p:nvPr>
+            <p:ph idx="1"/>
+          </p:nvPr>
+        </p:nvSpPr>
+        <p:spPr/>
+        <p:txBody>
+          <a:bodyPr/>
+          <a:lstStyle/>
+          <a:p>
+            <a:r>
+              <a:rPr lang="en-US" dirty="0" smtClean="0"/>
+              <a:t>FTL : https</a:t>
+            </a:r>
+            <a:r>
+              <a:rPr lang="en-US" dirty="0"/>
+              <a:t>://</a:t>
+            </a:r>
+            <a:r>
+              <a:rPr lang="en-US" dirty="0" smtClean="0"/>
+              <a:t>github.com/beark/ftl</a:t>
+            </a:r>
+          </a:p>
+          <a:p>
+            <a:endParaRPr lang="en-US" dirty="0" smtClean="0"/>
+          </a:p>
+          <a:p>
+            <a:r>
+              <a:rPr lang="en-US" dirty="0" smtClean="0"/>
+              <a:t>FC++ : http</a:t>
+            </a:r>
+            <a:r>
+              <a:rPr lang="en-US" dirty="0"/>
+              <a:t>://cgi.di.uoa.gr/~smaragd/fc</a:t>
+            </a:r>
+            <a:r>
+              <a:rPr lang="en-US" dirty="0" smtClean="0"/>
+              <a:t>++/</a:t>
+            </a:r>
+          </a:p>
+          <a:p>
+            <a:pPr marL="0" indent="0">
+              <a:buNone/>
+            </a:pPr>
+            <a:endParaRPr lang="en-US" dirty="0" smtClean="0"/>
+          </a:p>
+        </p:txBody>
+      </p:sp>
+    </p:spTree>
+    <p:extLst>
+      <p:ext uri="{BB962C8B-B14F-4D97-AF65-F5344CB8AC3E}">
+        <p14:creationId xmlns:p14="http://schemas.microsoft.com/office/powerpoint/2010/main" val="2404356271"/>
+      </p:ext>
+    </p:extLst>
+  </p:cSld>
+  <p:clrMapOvr>
+    <a:masterClrMapping/>
+  </p:clrMapOvr>
+  <p:timing>
+    <p:tnLst>
+      <p:par>
+        <p:cTn xmlns:p14="http://schemas.microsoft.com/office/powerpoint/2010/main" id="1" dur="indefinite" restart="never" nodeType="tmRoot"/>
+      </p:par>
+    </p:tnLst>
+  </p:timing>
+</p:sld>
+</file>
+
+<file path=ppt/slides/slide23.xml><?xml version="1.0" encoding="utf-8"?>
+<p:sld xmlns:a="http://schemas.openxmlformats.org/drawingml/2006/main" xmlns:r="http://schemas.openxmlformats.org/officeDocument/2006/relationships" xmlns:p="http://schemas.openxmlformats.org/presentationml/2006/main">
+  <p:cSld>
+    <p:spTree>
+      <p:nvGrpSpPr>
+        <p:cNvPr id="1" name=""/>
+        <p:cNvGrpSpPr/>
+        <p:nvPr/>
+      </p:nvGrpSpPr>
+      <p:grpSpPr>
+        <a:xfrm>
+          <a:off x="0" y="0"/>
+          <a:ext cx="0" cy="0"/>
+          <a:chOff x="0" y="0"/>
+          <a:chExt cx="0" cy="0"/>
+        </a:xfrm>
+      </p:grpSpPr>
+      <p:sp>
+        <p:nvSpPr>
+          <p:cNvPr id="2" name="Title 1"/>
+          <p:cNvSpPr>
+            <a:spLocks noGrp="1"/>
+          </p:cNvSpPr>
+          <p:nvPr>
+            <p:ph type="title"/>
+          </p:nvPr>
+        </p:nvSpPr>
+        <p:spPr/>
+        <p:txBody>
+          <a:bodyPr/>
+          <a:lstStyle/>
+          <a:p>
+            <a:pPr algn="ctr"/>
+            <a:r>
               <a:rPr lang="pt-BR" dirty="0" smtClean="0"/>
               <a:t>Final </a:t>
             </a:r>
@@ -11947,14 +8826,14 @@
   <p:timing>
     <p:tnLst>
       <p:par>
-        <p:cTn id="1" dur="indefinite" restart="never" nodeType="tmRoot"/>
+        <p:cTn xmlns:p14="http://schemas.microsoft.com/office/powerpoint/2010/main" id="1" dur="indefinite" restart="never" nodeType="tmRoot"/>
       </p:par>
     </p:tnLst>
   </p:timing>
 </p:sld>
 </file>
 
-<file path=ppt/slides/slide22.xml><?xml version="1.0" encoding="utf-8"?>
+<file path=ppt/slides/slide24.xml><?xml version="1.0" encoding="utf-8"?>
 <p:sld xmlns:a="http://schemas.openxmlformats.org/drawingml/2006/main" xmlns:r="http://schemas.openxmlformats.org/officeDocument/2006/relationships" xmlns:p="http://schemas.openxmlformats.org/presentationml/2006/main">
   <p:cSld>
     <p:spTree>
@@ -12089,14 +8968,14 @@
   <p:timing>
     <p:tnLst>
       <p:par>
-        <p:cTn id="1" dur="indefinite" restart="never" nodeType="tmRoot"/>
+        <p:cTn xmlns:p14="http://schemas.microsoft.com/office/powerpoint/2010/main" id="1" dur="indefinite" restart="never" nodeType="tmRoot"/>
       </p:par>
     </p:tnLst>
   </p:timing>
 </p:sld>
 </file>
 
-<file path=ppt/slides/slide23.xml><?xml version="1.0" encoding="utf-8"?>
+<file path=ppt/slides/slide25.xml><?xml version="1.0" encoding="utf-8"?>
 <p:sld xmlns:a="http://schemas.openxmlformats.org/drawingml/2006/main" xmlns:r="http://schemas.openxmlformats.org/officeDocument/2006/relationships" xmlns:p="http://schemas.openxmlformats.org/presentationml/2006/main">
   <p:cSld>
     <p:spTree>
@@ -12285,7 +9164,7 @@
   <p:timing>
     <p:tnLst>
       <p:par>
-        <p:cTn id="1" dur="indefinite" restart="never" nodeType="tmRoot"/>
+        <p:cTn xmlns:p14="http://schemas.microsoft.com/office/powerpoint/2010/main" id="1" dur="indefinite" restart="never" nodeType="tmRoot"/>
       </p:par>
     </p:tnLst>
   </p:timing>
@@ -12563,7 +9442,7 @@
   <p:timing>
     <p:tnLst>
       <p:par>
-        <p:cTn id="1" dur="indefinite" restart="never" nodeType="tmRoot"/>
+        <p:cTn xmlns:p14="http://schemas.microsoft.com/office/powerpoint/2010/main" id="1" dur="indefinite" restart="never" nodeType="tmRoot"/>
       </p:par>
     </p:tnLst>
   </p:timing>
@@ -12819,7 +9698,7 @@
   <p:timing>
     <p:tnLst>
       <p:par>
-        <p:cTn id="1" dur="indefinite" restart="never" nodeType="tmRoot"/>
+        <p:cTn xmlns:p14="http://schemas.microsoft.com/office/powerpoint/2010/main" id="1" dur="indefinite" restart="never" nodeType="tmRoot"/>
       </p:par>
     </p:tnLst>
   </p:timing>
@@ -12939,7 +9818,7 @@
   <p:timing>
     <p:tnLst>
       <p:par>
-        <p:cTn id="1" dur="indefinite" restart="never" nodeType="tmRoot"/>
+        <p:cTn xmlns:p14="http://schemas.microsoft.com/office/powerpoint/2010/main" id="1" dur="indefinite" restart="never" nodeType="tmRoot"/>
       </p:par>
     </p:tnLst>
   </p:timing>
@@ -13210,7 +10089,7 @@
   <p:timing>
     <p:tnLst>
       <p:par>
-        <p:cTn id="1" dur="indefinite" restart="never" nodeType="tmRoot"/>
+        <p:cTn xmlns:p14="http://schemas.microsoft.com/office/powerpoint/2010/main" id="1" dur="indefinite" restart="never" nodeType="tmRoot"/>
       </p:par>
     </p:tnLst>
   </p:timing>
@@ -13398,7 +10277,7 @@
   <p:timing>
     <p:tnLst>
       <p:par>
-        <p:cTn id="1" dur="indefinite" restart="never" nodeType="tmRoot"/>
+        <p:cTn xmlns:p14="http://schemas.microsoft.com/office/powerpoint/2010/main" id="1" dur="indefinite" restart="never" nodeType="tmRoot"/>
       </p:par>
     </p:tnLst>
   </p:timing>
@@ -13548,7 +10427,7 @@
   <p:timing>
     <p:tnLst>
       <p:par>
-        <p:cTn id="1" dur="indefinite" restart="never" nodeType="tmRoot"/>
+        <p:cTn xmlns:p14="http://schemas.microsoft.com/office/powerpoint/2010/main" id="1" dur="indefinite" restart="never" nodeType="tmRoot"/>
       </p:par>
     </p:tnLst>
   </p:timing>
@@ -13727,7 +10606,7 @@
   <p:timing>
     <p:tnLst>
       <p:par>
-        <p:cTn id="1" dur="indefinite" restart="never" nodeType="tmRoot"/>
+        <p:cTn xmlns:p14="http://schemas.microsoft.com/office/powerpoint/2010/main" id="1" dur="indefinite" restart="never" nodeType="tmRoot"/>
       </p:par>
     </p:tnLst>
   </p:timing>
@@ -13777,7 +10656,7 @@
     </a:clrScheme>
     <a:fontScheme name="Office Theme">
       <a:majorFont>
-        <a:latin typeface="Calibri Light" panose="020F0302020204030204"/>
+        <a:latin typeface="Calibri Light"/>
         <a:ea typeface=""/>
         <a:cs typeface=""/>
         <a:font script="Jpan" typeface="ＭＳ Ｐゴシック"/>
@@ -13812,7 +10691,7 @@
         <a:font script="Geor" typeface="Sylfaen"/>
       </a:majorFont>
       <a:minorFont>
-        <a:latin typeface="Calibri" panose="020F0502020204030204"/>
+        <a:latin typeface="Calibri"/>
         <a:ea typeface=""/>
         <a:cs typeface=""/>
         <a:font script="Jpan" typeface="ＭＳ Ｐゴシック"/>
@@ -13989,7 +10868,7 @@
   <a:extraClrSchemeLst/>
   <a:extLst>
     <a:ext uri="{05A4C25C-085E-4340-85A3-A5531E510DB2}">
-      <thm15:themeFamily xmlns:thm15="http://schemas.microsoft.com/office/thememl/2012/main" name="Office Theme" id="{62F939B6-93AF-4DB8-9C6B-D6C7DFDC589F}" vid="{4A3C46E8-61CC-4603-A589-7422A47A8E4A}"/>
+      <thm15:themeFamily xmlns:thm15="http://schemas.microsoft.com/office/thememl/2012/main" xmlns="" name="Office Theme" id="{62F939B6-93AF-4DB8-9C6B-D6C7DFDC589F}" vid="{4A3C46E8-61CC-4603-A589-7422A47A8E4A}"/>
     </a:ext>
   </a:extLst>
 </a:theme>
@@ -14038,7 +10917,7 @@
     </a:clrScheme>
     <a:fontScheme name="Office">
       <a:majorFont>
-        <a:latin typeface="Calibri Light" panose="020F0302020204030204"/>
+        <a:latin typeface="Calibri Light"/>
         <a:ea typeface=""/>
         <a:cs typeface=""/>
         <a:font script="Jpan" typeface="ＭＳ Ｐゴシック"/>
@@ -14073,7 +10952,7 @@
         <a:font script="Geor" typeface="Sylfaen"/>
       </a:majorFont>
       <a:minorFont>
-        <a:latin typeface="Calibri" panose="020F0502020204030204"/>
+        <a:latin typeface="Calibri"/>
         <a:ea typeface=""/>
         <a:cs typeface=""/>
         <a:font script="Jpan" typeface="ＭＳ Ｐゴシック"/>
@@ -14250,7 +11129,7 @@
   <a:extraClrSchemeLst/>
   <a:extLst>
     <a:ext uri="{05A4C25C-085E-4340-85A3-A5531E510DB2}">
-      <thm15:themeFamily xmlns:thm15="http://schemas.microsoft.com/office/thememl/2012/main" name="Office Theme" id="{62F939B6-93AF-4DB8-9C6B-D6C7DFDC589F}" vid="{4A3C46E8-61CC-4603-A589-7422A47A8E4A}"/>
+      <thm15:themeFamily xmlns:thm15="http://schemas.microsoft.com/office/thememl/2012/main" xmlns="" name="Office Theme" id="{62F939B6-93AF-4DB8-9C6B-D6C7DFDC589F}" vid="{4A3C46E8-61CC-4603-A589-7422A47A8E4A}"/>
     </a:ext>
   </a:extLst>
 </a:theme>

--- a/Documentation/Presentation/Husky.pptx
+++ b/Documentation/Presentation/Husky.pptx
@@ -257,7 +257,7 @@
           <a:p>
             <a:fld id="{FA3D8661-C235-4534-AEDA-34DF9893221B}" type="datetimeFigureOut">
               <a:rPr lang="en-US" smtClean="0"/>
-              <a:t>4/30/15</a:t>
+              <a:t>5/1/15</a:t>
             </a:fld>
             <a:endParaRPr lang="en-US"/>
           </a:p>
@@ -609,6 +609,90 @@
 </p:notes>
 </file>
 
+<file path=ppt/notesSlides/notesSlide10.xml><?xml version="1.0" encoding="utf-8"?>
+<p:notes xmlns:a="http://schemas.openxmlformats.org/drawingml/2006/main" xmlns:r="http://schemas.openxmlformats.org/officeDocument/2006/relationships" xmlns:p="http://schemas.openxmlformats.org/presentationml/2006/main">
+  <p:cSld>
+    <p:spTree>
+      <p:nvGrpSpPr>
+        <p:cNvPr id="1" name=""/>
+        <p:cNvGrpSpPr/>
+        <p:nvPr/>
+      </p:nvGrpSpPr>
+      <p:grpSpPr>
+        <a:xfrm>
+          <a:off x="0" y="0"/>
+          <a:ext cx="0" cy="0"/>
+          <a:chOff x="0" y="0"/>
+          <a:chExt cx="0" cy="0"/>
+        </a:xfrm>
+      </p:grpSpPr>
+      <p:sp>
+        <p:nvSpPr>
+          <p:cNvPr id="2" name="Slide Image Placeholder 1"/>
+          <p:cNvSpPr>
+            <a:spLocks noGrp="1" noRot="1" noChangeAspect="1"/>
+          </p:cNvSpPr>
+          <p:nvPr>
+            <p:ph type="sldImg"/>
+          </p:nvPr>
+        </p:nvSpPr>
+        <p:spPr/>
+      </p:sp>
+      <p:sp>
+        <p:nvSpPr>
+          <p:cNvPr id="3" name="Notes Placeholder 2"/>
+          <p:cNvSpPr>
+            <a:spLocks noGrp="1"/>
+          </p:cNvSpPr>
+          <p:nvPr>
+            <p:ph type="body" idx="1"/>
+          </p:nvPr>
+        </p:nvSpPr>
+        <p:spPr/>
+        <p:txBody>
+          <a:bodyPr/>
+          <a:lstStyle/>
+          <a:p>
+            <a:endParaRPr lang="en-US" dirty="0"/>
+          </a:p>
+        </p:txBody>
+      </p:sp>
+      <p:sp>
+        <p:nvSpPr>
+          <p:cNvPr id="4" name="Slide Number Placeholder 3"/>
+          <p:cNvSpPr>
+            <a:spLocks noGrp="1"/>
+          </p:cNvSpPr>
+          <p:nvPr>
+            <p:ph type="sldNum" sz="quarter" idx="10"/>
+          </p:nvPr>
+        </p:nvSpPr>
+        <p:spPr/>
+        <p:txBody>
+          <a:bodyPr/>
+          <a:lstStyle/>
+          <a:p>
+            <a:fld id="{8742B299-14A5-4081-A58D-EC24609FE1A7}" type="slidenum">
+              <a:rPr lang="en-US" smtClean="0"/>
+              <a:t>19</a:t>
+            </a:fld>
+            <a:endParaRPr lang="en-US"/>
+          </a:p>
+        </p:txBody>
+      </p:sp>
+    </p:spTree>
+    <p:extLst>
+      <p:ext uri="{BB962C8B-B14F-4D97-AF65-F5344CB8AC3E}">
+        <p14:creationId xmlns:p14="http://schemas.microsoft.com/office/powerpoint/2010/main" val="1897804596"/>
+      </p:ext>
+    </p:extLst>
+  </p:cSld>
+  <p:clrMapOvr>
+    <a:masterClrMapping/>
+  </p:clrMapOvr>
+</p:notes>
+</file>
+
 <file path=ppt/notesSlides/notesSlide2.xml><?xml version="1.0" encoding="utf-8"?>
 <p:notes xmlns:a="http://schemas.openxmlformats.org/drawingml/2006/main" xmlns:r="http://schemas.openxmlformats.org/officeDocument/2006/relationships" xmlns:p="http://schemas.openxmlformats.org/presentationml/2006/main">
   <p:cSld>
@@ -3473,7 +3557,7 @@
           <a:p>
             <a:fld id="{6D6DAAF7-B544-4EA4-A03C-3CDDF8176ACB}" type="datetimeFigureOut">
               <a:rPr lang="en-US" smtClean="0"/>
-              <a:t>4/30/15</a:t>
+              <a:t>5/1/15</a:t>
             </a:fld>
             <a:endParaRPr lang="en-US"/>
           </a:p>
@@ -3643,7 +3727,7 @@
           <a:p>
             <a:fld id="{6D6DAAF7-B544-4EA4-A03C-3CDDF8176ACB}" type="datetimeFigureOut">
               <a:rPr lang="en-US" smtClean="0"/>
-              <a:t>4/30/15</a:t>
+              <a:t>5/1/15</a:t>
             </a:fld>
             <a:endParaRPr lang="en-US"/>
           </a:p>
@@ -3823,7 +3907,7 @@
           <a:p>
             <a:fld id="{6D6DAAF7-B544-4EA4-A03C-3CDDF8176ACB}" type="datetimeFigureOut">
               <a:rPr lang="en-US" smtClean="0"/>
-              <a:t>4/30/15</a:t>
+              <a:t>5/1/15</a:t>
             </a:fld>
             <a:endParaRPr lang="en-US"/>
           </a:p>
@@ -3993,7 +4077,7 @@
           <a:p>
             <a:fld id="{6D6DAAF7-B544-4EA4-A03C-3CDDF8176ACB}" type="datetimeFigureOut">
               <a:rPr lang="en-US" smtClean="0"/>
-              <a:t>4/30/15</a:t>
+              <a:t>5/1/15</a:t>
             </a:fld>
             <a:endParaRPr lang="en-US"/>
           </a:p>
@@ -4239,7 +4323,7 @@
           <a:p>
             <a:fld id="{6D6DAAF7-B544-4EA4-A03C-3CDDF8176ACB}" type="datetimeFigureOut">
               <a:rPr lang="en-US" smtClean="0"/>
-              <a:t>4/30/15</a:t>
+              <a:t>5/1/15</a:t>
             </a:fld>
             <a:endParaRPr lang="en-US"/>
           </a:p>
@@ -4471,7 +4555,7 @@
           <a:p>
             <a:fld id="{6D6DAAF7-B544-4EA4-A03C-3CDDF8176ACB}" type="datetimeFigureOut">
               <a:rPr lang="en-US" smtClean="0"/>
-              <a:t>4/30/15</a:t>
+              <a:t>5/1/15</a:t>
             </a:fld>
             <a:endParaRPr lang="en-US"/>
           </a:p>
@@ -4838,7 +4922,7 @@
           <a:p>
             <a:fld id="{6D6DAAF7-B544-4EA4-A03C-3CDDF8176ACB}" type="datetimeFigureOut">
               <a:rPr lang="en-US" smtClean="0"/>
-              <a:t>4/30/15</a:t>
+              <a:t>5/1/15</a:t>
             </a:fld>
             <a:endParaRPr lang="en-US"/>
           </a:p>
@@ -4956,7 +5040,7 @@
           <a:p>
             <a:fld id="{6D6DAAF7-B544-4EA4-A03C-3CDDF8176ACB}" type="datetimeFigureOut">
               <a:rPr lang="en-US" smtClean="0"/>
-              <a:t>4/30/15</a:t>
+              <a:t>5/1/15</a:t>
             </a:fld>
             <a:endParaRPr lang="en-US"/>
           </a:p>
@@ -5051,7 +5135,7 @@
           <a:p>
             <a:fld id="{6D6DAAF7-B544-4EA4-A03C-3CDDF8176ACB}" type="datetimeFigureOut">
               <a:rPr lang="en-US" smtClean="0"/>
-              <a:t>4/30/15</a:t>
+              <a:t>5/1/15</a:t>
             </a:fld>
             <a:endParaRPr lang="en-US"/>
           </a:p>
@@ -5328,7 +5412,7 @@
           <a:p>
             <a:fld id="{6D6DAAF7-B544-4EA4-A03C-3CDDF8176ACB}" type="datetimeFigureOut">
               <a:rPr lang="en-US" smtClean="0"/>
-              <a:t>4/30/15</a:t>
+              <a:t>5/1/15</a:t>
             </a:fld>
             <a:endParaRPr lang="en-US"/>
           </a:p>
@@ -5585,7 +5669,7 @@
           <a:p>
             <a:fld id="{6D6DAAF7-B544-4EA4-A03C-3CDDF8176ACB}" type="datetimeFigureOut">
               <a:rPr lang="en-US" smtClean="0"/>
-              <a:t>4/30/15</a:t>
+              <a:t>5/1/15</a:t>
             </a:fld>
             <a:endParaRPr lang="en-US"/>
           </a:p>
@@ -5798,7 +5882,7 @@
           <a:p>
             <a:fld id="{6D6DAAF7-B544-4EA4-A03C-3CDDF8176ACB}" type="datetimeFigureOut">
               <a:rPr lang="en-US" smtClean="0"/>
-              <a:t>4/30/15</a:t>
+              <a:t>5/1/15</a:t>
             </a:fld>
             <a:endParaRPr lang="en-US"/>
           </a:p>
@@ -7414,11 +7498,11 @@
             <a:pPr algn="ctr"/>
             <a:r>
               <a:rPr lang="pt-BR" dirty="0" smtClean="0"/>
-              <a:t>Test </a:t>
-            </a:r>
-            <a:r>
-              <a:rPr lang="pt-BR" dirty="0" err="1" smtClean="0"/>
-              <a:t>Example</a:t>
+              <a:t>Case </a:t>
+            </a:r>
+            <a:r>
+              <a:rPr lang="pt-BR" dirty="0" err="1" smtClean="0"/>
+              <a:t>Study</a:t>
             </a:r>
             <a:endParaRPr lang="en-US" dirty="0"/>
           </a:p>
@@ -7785,32 +7869,32 @@
       </p:sp>
       <p:graphicFrame>
         <p:nvGraphicFramePr>
-          <p:cNvPr id="6" name="Object 5"/>
+          <p:cNvPr id="5" name="Object 4"/>
           <p:cNvGraphicFramePr>
             <a:graphicFrameLocks noChangeAspect="1"/>
           </p:cNvGraphicFramePr>
           <p:nvPr>
             <p:extLst>
               <p:ext uri="{D42A27DB-BD31-4B8C-83A1-F6EECF244321}">
-                <p14:modId xmlns:p14="http://schemas.microsoft.com/office/powerpoint/2010/main" val="2358209250"/>
+                <p14:modId xmlns:p14="http://schemas.microsoft.com/office/powerpoint/2010/main" val="2717069216"/>
               </p:ext>
             </p:extLst>
           </p:nvPr>
         </p:nvGraphicFramePr>
         <p:xfrm>
-          <a:off x="2872708" y="1881943"/>
-          <a:ext cx="5574517" cy="4361879"/>
+          <a:off x="3731973" y="1881944"/>
+          <a:ext cx="5477910" cy="4286287"/>
         </p:xfrm>
         <a:graphic>
           <a:graphicData uri="http://schemas.openxmlformats.org/presentationml/2006/ole">
             <mc:AlternateContent xmlns:mc="http://schemas.openxmlformats.org/markup-compatibility/2006">
               <mc:Choice xmlns:v="urn:schemas-microsoft-com:vml" Requires="v">
-                <p:oleObj spid="_x0000_s1026" name="Worksheet" r:id="rId3" imgW="3911600" imgH="3060700" progId="Excel.Sheet.12">
+                <p:oleObj spid="_x0000_s1031" name="Worksheet" r:id="rId5" imgW="3911600" imgH="3060700" progId="Excel.Sheet.12">
                   <p:embed/>
                 </p:oleObj>
               </mc:Choice>
               <mc:Fallback>
-                <p:oleObj name="Worksheet" r:id="rId3" imgW="3911600" imgH="3060700" progId="Excel.Sheet.12">
+                <p:oleObj name="Worksheet" r:id="rId5" imgW="3911600" imgH="3060700" progId="Excel.Sheet.12">
                   <p:embed/>
                   <p:pic>
                     <p:nvPicPr>
@@ -7819,15 +7903,15 @@
                       <p:nvPr/>
                     </p:nvPicPr>
                     <p:blipFill>
-                      <a:blip r:embed="rId4"/>
+                      <a:blip r:embed="rId6"/>
                       <a:stretch>
                         <a:fillRect/>
                       </a:stretch>
                     </p:blipFill>
                     <p:spPr>
                       <a:xfrm>
-                        <a:off x="2872708" y="1881943"/>
-                        <a:ext cx="5574517" cy="4361879"/>
+                        <a:off x="3731973" y="1881944"/>
+                        <a:ext cx="5477910" cy="4286287"/>
                       </a:xfrm>
                       <a:prstGeom prst="rect">
                         <a:avLst/>
@@ -8142,53 +8226,34 @@
           </a:p>
         </p:txBody>
       </p:sp>
-      <p:sp>
-        <p:nvSpPr>
-          <p:cNvPr id="3" name="Content Placeholder 2"/>
-          <p:cNvSpPr>
-            <a:spLocks noGrp="1"/>
-          </p:cNvSpPr>
-          <p:nvPr>
-            <p:ph idx="1"/>
-          </p:nvPr>
-        </p:nvSpPr>
-        <p:spPr/>
-        <p:txBody>
-          <a:bodyPr/>
-          <a:lstStyle/>
-          <a:p>
-            <a:endParaRPr lang="en-US" dirty="0"/>
-          </a:p>
-        </p:txBody>
-      </p:sp>
       <p:graphicFrame>
         <p:nvGraphicFramePr>
-          <p:cNvPr id="4" name="Object 3"/>
+          <p:cNvPr id="5" name="Object 4"/>
           <p:cNvGraphicFramePr>
             <a:graphicFrameLocks noChangeAspect="1"/>
           </p:cNvGraphicFramePr>
           <p:nvPr>
             <p:extLst>
               <p:ext uri="{D42A27DB-BD31-4B8C-83A1-F6EECF244321}">
-                <p14:modId xmlns:p14="http://schemas.microsoft.com/office/powerpoint/2010/main" val="808973464"/>
+                <p14:modId xmlns:p14="http://schemas.microsoft.com/office/powerpoint/2010/main" val="1603091378"/>
               </p:ext>
             </p:extLst>
           </p:nvPr>
         </p:nvGraphicFramePr>
         <p:xfrm>
-          <a:off x="886788" y="1863782"/>
-          <a:ext cx="4279900" cy="3822700"/>
+          <a:off x="6617084" y="2004440"/>
+          <a:ext cx="4279900" cy="1727200"/>
         </p:xfrm>
         <a:graphic>
           <a:graphicData uri="http://schemas.openxmlformats.org/presentationml/2006/ole">
             <mc:AlternateContent xmlns:mc="http://schemas.openxmlformats.org/markup-compatibility/2006">
               <mc:Choice xmlns:v="urn:schemas-microsoft-com:vml" Requires="v">
-                <p:oleObj spid="_x0000_s2051" name="Worksheet" r:id="rId3" imgW="4279900" imgH="3822700" progId="Excel.Sheet.12">
+                <p:oleObj spid="_x0000_s2061" name="Worksheet" r:id="rId4" imgW="4279900" imgH="1727200" progId="Excel.Sheet.12">
                   <p:embed/>
                 </p:oleObj>
               </mc:Choice>
               <mc:Fallback>
-                <p:oleObj name="Worksheet" r:id="rId3" imgW="4279900" imgH="3822700" progId="Excel.Sheet.12">
+                <p:oleObj name="Worksheet" r:id="rId4" imgW="4279900" imgH="1727200" progId="Excel.Sheet.12">
                   <p:embed/>
                   <p:pic>
                     <p:nvPicPr>
@@ -8197,15 +8262,91 @@
                       <p:nvPr/>
                     </p:nvPicPr>
                     <p:blipFill>
-                      <a:blip r:embed="rId4"/>
+                      <a:blip r:embed="rId5"/>
                       <a:stretch>
                         <a:fillRect/>
                       </a:stretch>
                     </p:blipFill>
                     <p:spPr>
                       <a:xfrm>
-                        <a:off x="886788" y="1863782"/>
-                        <a:ext cx="4279900" cy="3822700"/>
+                        <a:off x="6617084" y="2004440"/>
+                        <a:ext cx="4279900" cy="1727200"/>
+                      </a:xfrm>
+                      <a:prstGeom prst="rect">
+                        <a:avLst/>
+                      </a:prstGeom>
+                    </p:spPr>
+                  </p:pic>
+                </p:oleObj>
+              </mc:Fallback>
+            </mc:AlternateContent>
+          </a:graphicData>
+        </a:graphic>
+      </p:graphicFrame>
+      <p:sp>
+        <p:nvSpPr>
+          <p:cNvPr id="7" name="Content Placeholder 6"/>
+          <p:cNvSpPr>
+            <a:spLocks noGrp="1"/>
+          </p:cNvSpPr>
+          <p:nvPr>
+            <p:ph idx="1"/>
+          </p:nvPr>
+        </p:nvSpPr>
+        <p:spPr/>
+        <p:txBody>
+          <a:bodyPr/>
+          <a:lstStyle/>
+          <a:p>
+            <a:endParaRPr lang="en-US" dirty="0"/>
+          </a:p>
+        </p:txBody>
+      </p:sp>
+      <p:graphicFrame>
+        <p:nvGraphicFramePr>
+          <p:cNvPr id="8" name="Object 7"/>
+          <p:cNvGraphicFramePr>
+            <a:graphicFrameLocks noChangeAspect="1"/>
+          </p:cNvGraphicFramePr>
+          <p:nvPr>
+            <p:extLst>
+              <p:ext uri="{D42A27DB-BD31-4B8C-83A1-F6EECF244321}">
+                <p14:modId xmlns:p14="http://schemas.microsoft.com/office/powerpoint/2010/main" val="1322759611"/>
+              </p:ext>
+            </p:extLst>
+          </p:nvPr>
+        </p:nvGraphicFramePr>
+        <p:xfrm>
+          <a:off x="947266" y="2250818"/>
+          <a:ext cx="4279900" cy="3441700"/>
+        </p:xfrm>
+        <a:graphic>
+          <a:graphicData uri="http://schemas.openxmlformats.org/presentationml/2006/ole">
+            <mc:AlternateContent xmlns:mc="http://schemas.openxmlformats.org/markup-compatibility/2006">
+              <mc:Choice xmlns:v="urn:schemas-microsoft-com:vml" Requires="v">
+                <p:oleObj spid="_x0000_s2062" name="Worksheet" r:id="rId7" imgW="4279900" imgH="3441700" progId="Excel.Sheet.12">
+                  <p:embed/>
+                </p:oleObj>
+              </mc:Choice>
+              <mc:Fallback>
+                <p:oleObj name="Worksheet" r:id="rId7" imgW="4279900" imgH="3441700" progId="Excel.Sheet.12">
+                  <p:embed/>
+                  <p:pic>
+                    <p:nvPicPr>
+                      <p:cNvPr id="0" name=""/>
+                      <p:cNvPicPr/>
+                      <p:nvPr/>
+                    </p:nvPicPr>
+                    <p:blipFill>
+                      <a:blip r:embed="rId8"/>
+                      <a:stretch>
+                        <a:fillRect/>
+                      </a:stretch>
+                    </p:blipFill>
+                    <p:spPr>
+                      <a:xfrm>
+                        <a:off x="947266" y="2250818"/>
+                        <a:ext cx="4279900" cy="3441700"/>
                       </a:xfrm>
                       <a:prstGeom prst="rect">
                         <a:avLst/>
@@ -8220,32 +8361,32 @@
       </p:graphicFrame>
       <p:graphicFrame>
         <p:nvGraphicFramePr>
-          <p:cNvPr id="5" name="Object 4"/>
+          <p:cNvPr id="9" name="Object 8"/>
           <p:cNvGraphicFramePr>
             <a:graphicFrameLocks noChangeAspect="1"/>
           </p:cNvGraphicFramePr>
           <p:nvPr>
             <p:extLst>
               <p:ext uri="{D42A27DB-BD31-4B8C-83A1-F6EECF244321}">
-                <p14:modId xmlns:p14="http://schemas.microsoft.com/office/powerpoint/2010/main" val="1603091378"/>
+                <p14:modId xmlns:p14="http://schemas.microsoft.com/office/powerpoint/2010/main" val="3336253106"/>
               </p:ext>
             </p:extLst>
           </p:nvPr>
         </p:nvGraphicFramePr>
         <p:xfrm>
-          <a:off x="6617084" y="2004440"/>
+          <a:off x="6601965" y="2049794"/>
           <a:ext cx="4279900" cy="1727200"/>
         </p:xfrm>
         <a:graphic>
           <a:graphicData uri="http://schemas.openxmlformats.org/presentationml/2006/ole">
             <mc:AlternateContent xmlns:mc="http://schemas.openxmlformats.org/markup-compatibility/2006">
               <mc:Choice xmlns:v="urn:schemas-microsoft-com:vml" Requires="v">
-                <p:oleObj spid="_x0000_s2052" name="Worksheet" r:id="rId5" imgW="4279900" imgH="1727200" progId="Excel.Sheet.12">
+                <p:oleObj spid="_x0000_s2063" name="Worksheet" r:id="rId10" imgW="4279900" imgH="1727200" progId="Excel.Sheet.12">
                   <p:embed/>
                 </p:oleObj>
               </mc:Choice>
               <mc:Fallback>
-                <p:oleObj name="Worksheet" r:id="rId5" imgW="4279900" imgH="1727200" progId="Excel.Sheet.12">
+                <p:oleObj name="Worksheet" r:id="rId10" imgW="4279900" imgH="1727200" progId="Excel.Sheet.12">
                   <p:embed/>
                   <p:pic>
                     <p:nvPicPr>
@@ -8254,14 +8395,14 @@
                       <p:nvPr/>
                     </p:nvPicPr>
                     <p:blipFill>
-                      <a:blip r:embed="rId6"/>
+                      <a:blip r:embed="rId11"/>
                       <a:stretch>
                         <a:fillRect/>
                       </a:stretch>
                     </p:blipFill>
                     <p:spPr>
                       <a:xfrm>
-                        <a:off x="6617084" y="2004440"/>
+                        <a:off x="6601965" y="2049794"/>
                         <a:ext cx="4279900" cy="1727200"/>
                       </a:xfrm>
                       <a:prstGeom prst="rect">
